--- a/Documentos/Presentación 3 de Noviembre de 2020.pptx
+++ b/Documentos/Presentación 3 de Noviembre de 2020.pptx
@@ -5,7 +5,7 @@
     <p:sldMasterId id="2147483660" r:id="rId1"/>
   </p:sldMasterIdLst>
   <p:notesMasterIdLst>
-    <p:notesMasterId r:id="rId17"/>
+    <p:notesMasterId r:id="rId20"/>
   </p:notesMasterIdLst>
   <p:sldIdLst>
     <p:sldId id="256" r:id="rId2"/>
@@ -22,7 +22,10 @@
     <p:sldId id="343" r:id="rId13"/>
     <p:sldId id="344" r:id="rId14"/>
     <p:sldId id="331" r:id="rId15"/>
-    <p:sldId id="258" r:id="rId16"/>
+    <p:sldId id="346" r:id="rId16"/>
+    <p:sldId id="257" r:id="rId17"/>
+    <p:sldId id="347" r:id="rId18"/>
+    <p:sldId id="258" r:id="rId19"/>
   </p:sldIdLst>
   <p:sldSz cx="12192000" cy="6858000"/>
   <p:notesSz cx="6858000" cy="9144000"/>
@@ -211,7 +214,7 @@
           <a:p>
             <a:fld id="{D42B63A8-CA22-F249-8B11-75777F973014}" type="datetimeFigureOut">
               <a:rPr lang="es-ES_tradnl" smtClean="0"/>
-              <a:t>03/11/2020</a:t>
+              <a:t>6/11/20</a:t>
             </a:fld>
             <a:endParaRPr lang="es-ES_tradnl"/>
           </a:p>
@@ -1582,7 +1585,7 @@
           <a:p>
             <a:fld id="{6C5AE33D-32CE-4125-A2FD-63556E695E13}" type="datetimeFigureOut">
               <a:rPr lang="es-CO" smtClean="0"/>
-              <a:t>3/11/2020</a:t>
+              <a:t>6/11/20</a:t>
             </a:fld>
             <a:endParaRPr lang="es-CO"/>
           </a:p>
@@ -7270,6 +7273,826 @@
           <a:chExt cx="0" cy="0"/>
         </a:xfrm>
       </p:grpSpPr>
+      <mc:AlternateContent xmlns:mc="http://schemas.openxmlformats.org/markup-compatibility/2006" xmlns:a14="http://schemas.microsoft.com/office/drawing/2010/main">
+        <mc:Choice Requires="a14">
+          <p:sp>
+            <p:nvSpPr>
+              <p:cNvPr id="2" name="Marcador de contenido 1">
+                <a:extLst>
+                  <a:ext uri="{FF2B5EF4-FFF2-40B4-BE49-F238E27FC236}">
+                    <a16:creationId xmlns:a16="http://schemas.microsoft.com/office/drawing/2014/main" id="{1E76053E-E553-4C2C-919A-CE7A30FA73F9}"/>
+                  </a:ext>
+                </a:extLst>
+              </p:cNvPr>
+              <p:cNvSpPr>
+                <a:spLocks noGrp="1"/>
+              </p:cNvSpPr>
+              <p:nvPr>
+                <p:ph idx="1"/>
+              </p:nvPr>
+            </p:nvSpPr>
+            <p:spPr>
+              <a:xfrm>
+                <a:off x="614596" y="1454046"/>
+                <a:ext cx="10628026" cy="3927423"/>
+              </a:xfrm>
+            </p:spPr>
+            <p:txBody>
+              <a:bodyPr>
+                <a:noAutofit/>
+              </a:bodyPr>
+              <a:lstStyle/>
+              <a:p>
+                <a:pPr algn="just"/>
+                <a:r>
+                  <a:rPr lang="en-GB" sz="2000" dirty="0">
+                    <a:effectLst/>
+                    <a:latin typeface="Century Gothic" panose="020B0502020202020204" pitchFamily="34" charset="0"/>
+                    <a:ea typeface="Times New Roman" panose="02020603050405020304" pitchFamily="18" charset="0"/>
+                  </a:rPr>
+                  <a:t> </a:t>
+                </a:r>
+                <a:r>
+                  <a:rPr lang="es-CO" sz="2000" dirty="0">
+                    <a:effectLst/>
+                    <a:latin typeface="Century Gothic" panose="020B0502020202020204" pitchFamily="34" charset="0"/>
+                    <a:ea typeface="Times New Roman" panose="02020603050405020304" pitchFamily="18" charset="0"/>
+                  </a:rPr>
+                  <a:t> </a:t>
+                </a:r>
+                <a:r>
+                  <a:rPr lang="en-GB" sz="2000" dirty="0">
+                    <a:effectLst/>
+                    <a:latin typeface="Century Gothic" panose="020B0502020202020204" pitchFamily="34" charset="0"/>
+                    <a:ea typeface="Times New Roman" panose="02020603050405020304" pitchFamily="18" charset="0"/>
+                  </a:rPr>
+                  <a:t>The dividends paid to the rest of the world are distributed considering the ownership structure of firms and banks</a:t>
+                </a:r>
+                <a:endParaRPr lang="es-CO" sz="2000" dirty="0">
+                  <a:effectLst/>
+                  <a:latin typeface="Century Gothic" panose="020B0502020202020204" pitchFamily="34" charset="0"/>
+                  <a:ea typeface="Calibri" panose="020F0502020204030204" pitchFamily="34" charset="0"/>
+                  <a:cs typeface="Times New Roman" panose="02020603050405020304" pitchFamily="18" charset="0"/>
+                </a:endParaRPr>
+              </a:p>
+              <a:p>
+                <a:pPr marL="0" indent="0" algn="just">
+                  <a:buNone/>
+                </a:pPr>
+                <a:endParaRPr lang="en-GB" sz="2000" dirty="0">
+                  <a:latin typeface="Century Gothic" panose="020B0502020202020204" pitchFamily="34" charset="0"/>
+                </a:endParaRPr>
+              </a:p>
+              <a:p>
+                <a:pPr marL="0" indent="0" algn="just">
+                  <a:lnSpc>
+                    <a:spcPct val="107000"/>
+                  </a:lnSpc>
+                  <a:spcAft>
+                    <a:spcPts val="800"/>
+                  </a:spcAft>
+                  <a:buNone/>
+                </a:pPr>
+                <a14:m>
+                  <m:oMathPara xmlns:m="http://schemas.openxmlformats.org/officeDocument/2006/math">
+                    <m:oMathParaPr>
+                      <m:jc m:val="centerGroup"/>
+                    </m:oMathParaPr>
+                    <m:oMath xmlns:m="http://schemas.openxmlformats.org/officeDocument/2006/math">
+                      <m:r>
+                        <a:rPr lang="es-CO" sz="1800" i="1" smtClean="0">
+                          <a:effectLst/>
+                          <a:latin typeface="Cambria Math" panose="02040503050406030204" pitchFamily="18" charset="0"/>
+                          <a:ea typeface="Times New Roman" panose="02020603050405020304" pitchFamily="18" charset="0"/>
+                          <a:cs typeface="Times New Roman" panose="02020603050405020304" pitchFamily="18" charset="0"/>
+                        </a:rPr>
+                        <m:t>𝐷𝑖</m:t>
+                      </m:r>
+                      <m:sSubSup>
+                        <m:sSubSupPr>
+                          <m:ctrlPr>
+                            <a:rPr lang="es-CO" sz="1800" i="1">
+                              <a:effectLst/>
+                              <a:latin typeface="Cambria Math" panose="02040503050406030204" pitchFamily="18" charset="0"/>
+                              <a:ea typeface="Times New Roman" panose="02020603050405020304" pitchFamily="18" charset="0"/>
+                              <a:cs typeface="Times New Roman" panose="02020603050405020304" pitchFamily="18" charset="0"/>
+                            </a:rPr>
+                          </m:ctrlPr>
+                        </m:sSubSupPr>
+                        <m:e>
+                          <m:r>
+                            <a:rPr lang="es-CO" sz="1800" i="1">
+                              <a:effectLst/>
+                              <a:latin typeface="Cambria Math" panose="02040503050406030204" pitchFamily="18" charset="0"/>
+                              <a:ea typeface="Times New Roman" panose="02020603050405020304" pitchFamily="18" charset="0"/>
+                              <a:cs typeface="Times New Roman" panose="02020603050405020304" pitchFamily="18" charset="0"/>
+                            </a:rPr>
+                            <m:t>𝑣</m:t>
+                          </m:r>
+                        </m:e>
+                        <m:sub>
+                          <m:r>
+                            <a:rPr lang="es-CO" sz="1800" i="1">
+                              <a:effectLst/>
+                              <a:latin typeface="Cambria Math" panose="02040503050406030204" pitchFamily="18" charset="0"/>
+                              <a:ea typeface="Times New Roman" panose="02020603050405020304" pitchFamily="18" charset="0"/>
+                              <a:cs typeface="Times New Roman" panose="02020603050405020304" pitchFamily="18" charset="0"/>
+                            </a:rPr>
+                            <m:t>𝐹</m:t>
+                          </m:r>
+                        </m:sub>
+                        <m:sup>
+                          <m:r>
+                            <a:rPr lang="es-CO" sz="1800" i="1">
+                              <a:effectLst/>
+                              <a:latin typeface="Cambria Math" panose="02040503050406030204" pitchFamily="18" charset="0"/>
+                              <a:ea typeface="Times New Roman" panose="02020603050405020304" pitchFamily="18" charset="0"/>
+                              <a:cs typeface="Times New Roman" panose="02020603050405020304" pitchFamily="18" charset="0"/>
+                            </a:rPr>
+                            <m:t>𝑅𝑜𝑊</m:t>
+                          </m:r>
+                        </m:sup>
+                      </m:sSubSup>
+                      <m:r>
+                        <a:rPr lang="es-CO" sz="1800" i="1">
+                          <a:effectLst/>
+                          <a:latin typeface="Cambria Math" panose="02040503050406030204" pitchFamily="18" charset="0"/>
+                          <a:ea typeface="Times New Roman" panose="02020603050405020304" pitchFamily="18" charset="0"/>
+                          <a:cs typeface="Times New Roman" panose="02020603050405020304" pitchFamily="18" charset="0"/>
+                        </a:rPr>
+                        <m:t>=</m:t>
+                      </m:r>
+                      <m:d>
+                        <m:dPr>
+                          <m:ctrlPr>
+                            <a:rPr lang="es-CO" sz="1800" i="1">
+                              <a:effectLst/>
+                              <a:latin typeface="Cambria Math" panose="02040503050406030204" pitchFamily="18" charset="0"/>
+                              <a:ea typeface="Times New Roman" panose="02020603050405020304" pitchFamily="18" charset="0"/>
+                              <a:cs typeface="Times New Roman" panose="02020603050405020304" pitchFamily="18" charset="0"/>
+                            </a:rPr>
+                          </m:ctrlPr>
+                        </m:dPr>
+                        <m:e>
+                          <m:f>
+                            <m:fPr>
+                              <m:ctrlPr>
+                                <a:rPr lang="es-CO" sz="1800" i="1">
+                                  <a:effectLst/>
+                                  <a:latin typeface="Cambria Math" panose="02040503050406030204" pitchFamily="18" charset="0"/>
+                                  <a:ea typeface="Times New Roman" panose="02020603050405020304" pitchFamily="18" charset="0"/>
+                                  <a:cs typeface="Times New Roman" panose="02020603050405020304" pitchFamily="18" charset="0"/>
+                                </a:rPr>
+                              </m:ctrlPr>
+                            </m:fPr>
+                            <m:num>
+                              <m:r>
+                                <a:rPr lang="es-CO" sz="1800" i="1">
+                                  <a:effectLst/>
+                                  <a:latin typeface="Cambria Math" panose="02040503050406030204" pitchFamily="18" charset="0"/>
+                                  <a:ea typeface="Times New Roman" panose="02020603050405020304" pitchFamily="18" charset="0"/>
+                                  <a:cs typeface="Times New Roman" panose="02020603050405020304" pitchFamily="18" charset="0"/>
+                                </a:rPr>
+                                <m:t>𝐸</m:t>
+                              </m:r>
+                              <m:sSubSup>
+                                <m:sSubSupPr>
+                                  <m:ctrlPr>
+                                    <a:rPr lang="es-CO" sz="1800" i="1">
+                                      <a:effectLst/>
+                                      <a:latin typeface="Cambria Math" panose="02040503050406030204" pitchFamily="18" charset="0"/>
+                                      <a:ea typeface="Times New Roman" panose="02020603050405020304" pitchFamily="18" charset="0"/>
+                                      <a:cs typeface="Times New Roman" panose="02020603050405020304" pitchFamily="18" charset="0"/>
+                                    </a:rPr>
+                                  </m:ctrlPr>
+                                </m:sSubSupPr>
+                                <m:e>
+                                  <m:r>
+                                    <a:rPr lang="es-CO" sz="1800" i="1">
+                                      <a:effectLst/>
+                                      <a:latin typeface="Cambria Math" panose="02040503050406030204" pitchFamily="18" charset="0"/>
+                                      <a:ea typeface="Times New Roman" panose="02020603050405020304" pitchFamily="18" charset="0"/>
+                                      <a:cs typeface="Times New Roman" panose="02020603050405020304" pitchFamily="18" charset="0"/>
+                                    </a:rPr>
+                                    <m:t>𝑄</m:t>
+                                  </m:r>
+                                </m:e>
+                                <m:sub>
+                                  <m:r>
+                                    <a:rPr lang="es-CO" sz="1800" i="1">
+                                      <a:effectLst/>
+                                      <a:latin typeface="Cambria Math" panose="02040503050406030204" pitchFamily="18" charset="0"/>
+                                      <a:ea typeface="Times New Roman" panose="02020603050405020304" pitchFamily="18" charset="0"/>
+                                      <a:cs typeface="Times New Roman" panose="02020603050405020304" pitchFamily="18" charset="0"/>
+                                    </a:rPr>
+                                    <m:t>𝐹</m:t>
+                                  </m:r>
+                                </m:sub>
+                                <m:sup>
+                                  <m:r>
+                                    <a:rPr lang="es-CO" sz="1800" i="1">
+                                      <a:effectLst/>
+                                      <a:latin typeface="Cambria Math" panose="02040503050406030204" pitchFamily="18" charset="0"/>
+                                      <a:ea typeface="Times New Roman" panose="02020603050405020304" pitchFamily="18" charset="0"/>
+                                      <a:cs typeface="Times New Roman" panose="02020603050405020304" pitchFamily="18" charset="0"/>
+                                    </a:rPr>
+                                    <m:t>𝑅𝑜𝑊</m:t>
+                                  </m:r>
+                                </m:sup>
+                              </m:sSubSup>
+                            </m:num>
+                            <m:den>
+                              <m:r>
+                                <a:rPr lang="es-CO" sz="1800" i="1">
+                                  <a:effectLst/>
+                                  <a:latin typeface="Cambria Math" panose="02040503050406030204" pitchFamily="18" charset="0"/>
+                                  <a:ea typeface="Times New Roman" panose="02020603050405020304" pitchFamily="18" charset="0"/>
+                                  <a:cs typeface="Times New Roman" panose="02020603050405020304" pitchFamily="18" charset="0"/>
+                                </a:rPr>
+                                <m:t>𝐸</m:t>
+                              </m:r>
+                              <m:sSub>
+                                <m:sSubPr>
+                                  <m:ctrlPr>
+                                    <a:rPr lang="es-CO" sz="1800" i="1">
+                                      <a:effectLst/>
+                                      <a:latin typeface="Cambria Math" panose="02040503050406030204" pitchFamily="18" charset="0"/>
+                                      <a:ea typeface="Times New Roman" panose="02020603050405020304" pitchFamily="18" charset="0"/>
+                                      <a:cs typeface="Times New Roman" panose="02020603050405020304" pitchFamily="18" charset="0"/>
+                                    </a:rPr>
+                                  </m:ctrlPr>
+                                </m:sSubPr>
+                                <m:e>
+                                  <m:r>
+                                    <a:rPr lang="es-CO" sz="1800" i="1">
+                                      <a:effectLst/>
+                                      <a:latin typeface="Cambria Math" panose="02040503050406030204" pitchFamily="18" charset="0"/>
+                                      <a:ea typeface="Times New Roman" panose="02020603050405020304" pitchFamily="18" charset="0"/>
+                                      <a:cs typeface="Times New Roman" panose="02020603050405020304" pitchFamily="18" charset="0"/>
+                                    </a:rPr>
+                                    <m:t>𝑄</m:t>
+                                  </m:r>
+                                </m:e>
+                                <m:sub>
+                                  <m:r>
+                                    <a:rPr lang="es-CO" sz="1800" i="1">
+                                      <a:effectLst/>
+                                      <a:latin typeface="Cambria Math" panose="02040503050406030204" pitchFamily="18" charset="0"/>
+                                      <a:ea typeface="Times New Roman" panose="02020603050405020304" pitchFamily="18" charset="0"/>
+                                      <a:cs typeface="Times New Roman" panose="02020603050405020304" pitchFamily="18" charset="0"/>
+                                    </a:rPr>
+                                    <m:t>𝐹</m:t>
+                                  </m:r>
+                                </m:sub>
+                              </m:sSub>
+                            </m:den>
+                          </m:f>
+                        </m:e>
+                      </m:d>
+                      <m:r>
+                        <a:rPr lang="es-CO" sz="1800" i="1">
+                          <a:effectLst/>
+                          <a:latin typeface="Cambria Math" panose="02040503050406030204" pitchFamily="18" charset="0"/>
+                          <a:ea typeface="Times New Roman" panose="02020603050405020304" pitchFamily="18" charset="0"/>
+                          <a:cs typeface="Times New Roman" panose="02020603050405020304" pitchFamily="18" charset="0"/>
+                        </a:rPr>
+                        <m:t>∙</m:t>
+                      </m:r>
+                      <m:d>
+                        <m:dPr>
+                          <m:ctrlPr>
+                            <a:rPr lang="es-CO" sz="1800" i="1">
+                              <a:effectLst/>
+                              <a:latin typeface="Cambria Math" panose="02040503050406030204" pitchFamily="18" charset="0"/>
+                              <a:ea typeface="Times New Roman" panose="02020603050405020304" pitchFamily="18" charset="0"/>
+                              <a:cs typeface="Times New Roman" panose="02020603050405020304" pitchFamily="18" charset="0"/>
+                            </a:rPr>
+                          </m:ctrlPr>
+                        </m:dPr>
+                        <m:e>
+                          <m:r>
+                            <a:rPr lang="es-CO" sz="1800" i="1">
+                              <a:effectLst/>
+                              <a:latin typeface="Cambria Math" panose="02040503050406030204" pitchFamily="18" charset="0"/>
+                              <a:ea typeface="Times New Roman" panose="02020603050405020304" pitchFamily="18" charset="0"/>
+                              <a:cs typeface="Times New Roman" panose="02020603050405020304" pitchFamily="18" charset="0"/>
+                            </a:rPr>
+                            <m:t>𝐷𝑖</m:t>
+                          </m:r>
+                          <m:sSub>
+                            <m:sSubPr>
+                              <m:ctrlPr>
+                                <a:rPr lang="es-CO" sz="1800" i="1">
+                                  <a:effectLst/>
+                                  <a:latin typeface="Cambria Math" panose="02040503050406030204" pitchFamily="18" charset="0"/>
+                                  <a:ea typeface="Times New Roman" panose="02020603050405020304" pitchFamily="18" charset="0"/>
+                                  <a:cs typeface="Times New Roman" panose="02020603050405020304" pitchFamily="18" charset="0"/>
+                                </a:rPr>
+                              </m:ctrlPr>
+                            </m:sSubPr>
+                            <m:e>
+                              <m:r>
+                                <a:rPr lang="es-CO" sz="1800" i="1">
+                                  <a:effectLst/>
+                                  <a:latin typeface="Cambria Math" panose="02040503050406030204" pitchFamily="18" charset="0"/>
+                                  <a:ea typeface="Times New Roman" panose="02020603050405020304" pitchFamily="18" charset="0"/>
+                                  <a:cs typeface="Times New Roman" panose="02020603050405020304" pitchFamily="18" charset="0"/>
+                                </a:rPr>
+                                <m:t>𝑣</m:t>
+                              </m:r>
+                            </m:e>
+                            <m:sub>
+                              <m:r>
+                                <a:rPr lang="es-CO" sz="1800" i="1">
+                                  <a:effectLst/>
+                                  <a:latin typeface="Cambria Math" panose="02040503050406030204" pitchFamily="18" charset="0"/>
+                                  <a:ea typeface="Times New Roman" panose="02020603050405020304" pitchFamily="18" charset="0"/>
+                                  <a:cs typeface="Times New Roman" panose="02020603050405020304" pitchFamily="18" charset="0"/>
+                                </a:rPr>
+                                <m:t>𝐹</m:t>
+                              </m:r>
+                            </m:sub>
+                          </m:sSub>
+                        </m:e>
+                      </m:d>
+                      <m:r>
+                        <a:rPr lang="es-CO" sz="1800" i="1">
+                          <a:effectLst/>
+                          <a:latin typeface="Cambria Math" panose="02040503050406030204" pitchFamily="18" charset="0"/>
+                          <a:ea typeface="Times New Roman" panose="02020603050405020304" pitchFamily="18" charset="0"/>
+                          <a:cs typeface="Times New Roman" panose="02020603050405020304" pitchFamily="18" charset="0"/>
+                        </a:rPr>
+                        <m:t>      </m:t>
+                      </m:r>
+                      <m:r>
+                        <a:rPr lang="es-CO" sz="1800" b="0" i="1" smtClean="0">
+                          <a:effectLst/>
+                          <a:latin typeface="Cambria Math" panose="02040503050406030204" pitchFamily="18" charset="0"/>
+                          <a:ea typeface="Times New Roman" panose="02020603050405020304" pitchFamily="18" charset="0"/>
+                          <a:cs typeface="Times New Roman" panose="02020603050405020304" pitchFamily="18" charset="0"/>
+                        </a:rPr>
+                        <m:t> </m:t>
+                      </m:r>
+                    </m:oMath>
+                  </m:oMathPara>
+                </a14:m>
+                <a:endParaRPr lang="es-CO" sz="1800" dirty="0">
+                  <a:effectLst/>
+                  <a:latin typeface="Calibri" panose="020F0502020204030204" pitchFamily="34" charset="0"/>
+                  <a:ea typeface="Calibri" panose="020F0502020204030204" pitchFamily="34" charset="0"/>
+                  <a:cs typeface="Times New Roman" panose="02020603050405020304" pitchFamily="18" charset="0"/>
+                </a:endParaRPr>
+              </a:p>
+              <a:p>
+                <a:pPr marL="0" indent="0" algn="just">
+                  <a:lnSpc>
+                    <a:spcPct val="107000"/>
+                  </a:lnSpc>
+                  <a:spcAft>
+                    <a:spcPts val="800"/>
+                  </a:spcAft>
+                  <a:buNone/>
+                </a:pPr>
+                <a14:m>
+                  <m:oMathPara xmlns:m="http://schemas.openxmlformats.org/officeDocument/2006/math">
+                    <m:oMathParaPr>
+                      <m:jc m:val="centerGroup"/>
+                    </m:oMathParaPr>
+                    <m:oMath xmlns:m="http://schemas.openxmlformats.org/officeDocument/2006/math">
+                      <m:r>
+                        <a:rPr lang="es-CO" sz="1800" b="0" i="1" smtClean="0">
+                          <a:effectLst/>
+                          <a:latin typeface="Cambria Math" panose="02040503050406030204" pitchFamily="18" charset="0"/>
+                          <a:ea typeface="Times New Roman" panose="02020603050405020304" pitchFamily="18" charset="0"/>
+                          <a:cs typeface="Times New Roman" panose="02020603050405020304" pitchFamily="18" charset="0"/>
+                        </a:rPr>
+                        <m:t>  </m:t>
+                      </m:r>
+                      <m:r>
+                        <a:rPr lang="es-CO" sz="1800" i="1">
+                          <a:effectLst/>
+                          <a:latin typeface="Cambria Math" panose="02040503050406030204" pitchFamily="18" charset="0"/>
+                          <a:ea typeface="Times New Roman" panose="02020603050405020304" pitchFamily="18" charset="0"/>
+                          <a:cs typeface="Times New Roman" panose="02020603050405020304" pitchFamily="18" charset="0"/>
+                        </a:rPr>
+                        <m:t>𝐷𝑖</m:t>
+                      </m:r>
+                      <m:sSubSup>
+                        <m:sSubSupPr>
+                          <m:ctrlPr>
+                            <a:rPr lang="es-CO" sz="1800" i="1">
+                              <a:effectLst/>
+                              <a:latin typeface="Cambria Math" panose="02040503050406030204" pitchFamily="18" charset="0"/>
+                              <a:ea typeface="Times New Roman" panose="02020603050405020304" pitchFamily="18" charset="0"/>
+                              <a:cs typeface="Times New Roman" panose="02020603050405020304" pitchFamily="18" charset="0"/>
+                            </a:rPr>
+                          </m:ctrlPr>
+                        </m:sSubSupPr>
+                        <m:e>
+                          <m:r>
+                            <a:rPr lang="es-CO" sz="1800" i="1">
+                              <a:effectLst/>
+                              <a:latin typeface="Cambria Math" panose="02040503050406030204" pitchFamily="18" charset="0"/>
+                              <a:ea typeface="Times New Roman" panose="02020603050405020304" pitchFamily="18" charset="0"/>
+                              <a:cs typeface="Times New Roman" panose="02020603050405020304" pitchFamily="18" charset="0"/>
+                            </a:rPr>
+                            <m:t>𝑣</m:t>
+                          </m:r>
+                        </m:e>
+                        <m:sub>
+                          <m:r>
+                            <a:rPr lang="es-CO" sz="1800" i="1">
+                              <a:effectLst/>
+                              <a:latin typeface="Cambria Math" panose="02040503050406030204" pitchFamily="18" charset="0"/>
+                              <a:ea typeface="Times New Roman" panose="02020603050405020304" pitchFamily="18" charset="0"/>
+                              <a:cs typeface="Times New Roman" panose="02020603050405020304" pitchFamily="18" charset="0"/>
+                            </a:rPr>
+                            <m:t>𝐵</m:t>
+                          </m:r>
+                        </m:sub>
+                        <m:sup>
+                          <m:r>
+                            <a:rPr lang="es-CO" sz="1800" i="1">
+                              <a:effectLst/>
+                              <a:latin typeface="Cambria Math" panose="02040503050406030204" pitchFamily="18" charset="0"/>
+                              <a:ea typeface="Times New Roman" panose="02020603050405020304" pitchFamily="18" charset="0"/>
+                              <a:cs typeface="Times New Roman" panose="02020603050405020304" pitchFamily="18" charset="0"/>
+                            </a:rPr>
+                            <m:t>𝑅𝑜𝑊</m:t>
+                          </m:r>
+                        </m:sup>
+                      </m:sSubSup>
+                      <m:r>
+                        <a:rPr lang="es-CO" sz="1800" i="1">
+                          <a:effectLst/>
+                          <a:latin typeface="Cambria Math" panose="02040503050406030204" pitchFamily="18" charset="0"/>
+                          <a:ea typeface="Times New Roman" panose="02020603050405020304" pitchFamily="18" charset="0"/>
+                          <a:cs typeface="Times New Roman" panose="02020603050405020304" pitchFamily="18" charset="0"/>
+                        </a:rPr>
+                        <m:t>=</m:t>
+                      </m:r>
+                      <m:d>
+                        <m:dPr>
+                          <m:ctrlPr>
+                            <a:rPr lang="es-CO" sz="1800" i="1">
+                              <a:effectLst/>
+                              <a:latin typeface="Cambria Math" panose="02040503050406030204" pitchFamily="18" charset="0"/>
+                              <a:ea typeface="Times New Roman" panose="02020603050405020304" pitchFamily="18" charset="0"/>
+                              <a:cs typeface="Times New Roman" panose="02020603050405020304" pitchFamily="18" charset="0"/>
+                            </a:rPr>
+                          </m:ctrlPr>
+                        </m:dPr>
+                        <m:e>
+                          <m:f>
+                            <m:fPr>
+                              <m:ctrlPr>
+                                <a:rPr lang="es-CO" sz="1800" i="1">
+                                  <a:effectLst/>
+                                  <a:latin typeface="Cambria Math" panose="02040503050406030204" pitchFamily="18" charset="0"/>
+                                  <a:ea typeface="Times New Roman" panose="02020603050405020304" pitchFamily="18" charset="0"/>
+                                  <a:cs typeface="Times New Roman" panose="02020603050405020304" pitchFamily="18" charset="0"/>
+                                </a:rPr>
+                              </m:ctrlPr>
+                            </m:fPr>
+                            <m:num>
+                              <m:r>
+                                <a:rPr lang="es-CO" sz="1800" i="1">
+                                  <a:effectLst/>
+                                  <a:latin typeface="Cambria Math" panose="02040503050406030204" pitchFamily="18" charset="0"/>
+                                  <a:ea typeface="Times New Roman" panose="02020603050405020304" pitchFamily="18" charset="0"/>
+                                  <a:cs typeface="Times New Roman" panose="02020603050405020304" pitchFamily="18" charset="0"/>
+                                </a:rPr>
+                                <m:t>𝐸</m:t>
+                              </m:r>
+                              <m:sSubSup>
+                                <m:sSubSupPr>
+                                  <m:ctrlPr>
+                                    <a:rPr lang="es-CO" sz="1800" i="1">
+                                      <a:effectLst/>
+                                      <a:latin typeface="Cambria Math" panose="02040503050406030204" pitchFamily="18" charset="0"/>
+                                      <a:ea typeface="Times New Roman" panose="02020603050405020304" pitchFamily="18" charset="0"/>
+                                      <a:cs typeface="Times New Roman" panose="02020603050405020304" pitchFamily="18" charset="0"/>
+                                    </a:rPr>
+                                  </m:ctrlPr>
+                                </m:sSubSupPr>
+                                <m:e>
+                                  <m:r>
+                                    <a:rPr lang="es-CO" sz="1800" i="1">
+                                      <a:effectLst/>
+                                      <a:latin typeface="Cambria Math" panose="02040503050406030204" pitchFamily="18" charset="0"/>
+                                      <a:ea typeface="Times New Roman" panose="02020603050405020304" pitchFamily="18" charset="0"/>
+                                      <a:cs typeface="Times New Roman" panose="02020603050405020304" pitchFamily="18" charset="0"/>
+                                    </a:rPr>
+                                    <m:t>𝑄</m:t>
+                                  </m:r>
+                                </m:e>
+                                <m:sub>
+                                  <m:r>
+                                    <a:rPr lang="es-CO" sz="1800" i="1">
+                                      <a:effectLst/>
+                                      <a:latin typeface="Cambria Math" panose="02040503050406030204" pitchFamily="18" charset="0"/>
+                                      <a:ea typeface="Times New Roman" panose="02020603050405020304" pitchFamily="18" charset="0"/>
+                                      <a:cs typeface="Times New Roman" panose="02020603050405020304" pitchFamily="18" charset="0"/>
+                                    </a:rPr>
+                                    <m:t>𝐵</m:t>
+                                  </m:r>
+                                </m:sub>
+                                <m:sup>
+                                  <m:r>
+                                    <a:rPr lang="es-CO" sz="1800" i="1">
+                                      <a:effectLst/>
+                                      <a:latin typeface="Cambria Math" panose="02040503050406030204" pitchFamily="18" charset="0"/>
+                                      <a:ea typeface="Times New Roman" panose="02020603050405020304" pitchFamily="18" charset="0"/>
+                                      <a:cs typeface="Times New Roman" panose="02020603050405020304" pitchFamily="18" charset="0"/>
+                                    </a:rPr>
+                                    <m:t>𝑅𝑜𝑊</m:t>
+                                  </m:r>
+                                </m:sup>
+                              </m:sSubSup>
+                            </m:num>
+                            <m:den>
+                              <m:r>
+                                <a:rPr lang="es-CO" sz="1800" i="1">
+                                  <a:effectLst/>
+                                  <a:latin typeface="Cambria Math" panose="02040503050406030204" pitchFamily="18" charset="0"/>
+                                  <a:ea typeface="Times New Roman" panose="02020603050405020304" pitchFamily="18" charset="0"/>
+                                  <a:cs typeface="Times New Roman" panose="02020603050405020304" pitchFamily="18" charset="0"/>
+                                </a:rPr>
+                                <m:t>𝐸</m:t>
+                              </m:r>
+                              <m:sSub>
+                                <m:sSubPr>
+                                  <m:ctrlPr>
+                                    <a:rPr lang="es-CO" sz="1800" i="1">
+                                      <a:effectLst/>
+                                      <a:latin typeface="Cambria Math" panose="02040503050406030204" pitchFamily="18" charset="0"/>
+                                      <a:ea typeface="Times New Roman" panose="02020603050405020304" pitchFamily="18" charset="0"/>
+                                      <a:cs typeface="Times New Roman" panose="02020603050405020304" pitchFamily="18" charset="0"/>
+                                    </a:rPr>
+                                  </m:ctrlPr>
+                                </m:sSubPr>
+                                <m:e>
+                                  <m:r>
+                                    <a:rPr lang="es-CO" sz="1800" i="1">
+                                      <a:effectLst/>
+                                      <a:latin typeface="Cambria Math" panose="02040503050406030204" pitchFamily="18" charset="0"/>
+                                      <a:ea typeface="Times New Roman" panose="02020603050405020304" pitchFamily="18" charset="0"/>
+                                      <a:cs typeface="Times New Roman" panose="02020603050405020304" pitchFamily="18" charset="0"/>
+                                    </a:rPr>
+                                    <m:t>𝑄</m:t>
+                                  </m:r>
+                                </m:e>
+                                <m:sub>
+                                  <m:r>
+                                    <a:rPr lang="es-CO" sz="1800" i="1">
+                                      <a:effectLst/>
+                                      <a:latin typeface="Cambria Math" panose="02040503050406030204" pitchFamily="18" charset="0"/>
+                                      <a:ea typeface="Times New Roman" panose="02020603050405020304" pitchFamily="18" charset="0"/>
+                                      <a:cs typeface="Times New Roman" panose="02020603050405020304" pitchFamily="18" charset="0"/>
+                                    </a:rPr>
+                                    <m:t>𝐵</m:t>
+                                  </m:r>
+                                </m:sub>
+                              </m:sSub>
+                            </m:den>
+                          </m:f>
+                        </m:e>
+                      </m:d>
+                      <m:r>
+                        <a:rPr lang="es-CO" sz="1800" i="1">
+                          <a:effectLst/>
+                          <a:latin typeface="Cambria Math" panose="02040503050406030204" pitchFamily="18" charset="0"/>
+                          <a:ea typeface="Times New Roman" panose="02020603050405020304" pitchFamily="18" charset="0"/>
+                          <a:cs typeface="Times New Roman" panose="02020603050405020304" pitchFamily="18" charset="0"/>
+                        </a:rPr>
+                        <m:t>∙</m:t>
+                      </m:r>
+                      <m:d>
+                        <m:dPr>
+                          <m:ctrlPr>
+                            <a:rPr lang="es-CO" sz="1800" i="1">
+                              <a:effectLst/>
+                              <a:latin typeface="Cambria Math" panose="02040503050406030204" pitchFamily="18" charset="0"/>
+                              <a:ea typeface="Times New Roman" panose="02020603050405020304" pitchFamily="18" charset="0"/>
+                              <a:cs typeface="Times New Roman" panose="02020603050405020304" pitchFamily="18" charset="0"/>
+                            </a:rPr>
+                          </m:ctrlPr>
+                        </m:dPr>
+                        <m:e>
+                          <m:r>
+                            <a:rPr lang="es-CO" sz="1800" i="1">
+                              <a:effectLst/>
+                              <a:latin typeface="Cambria Math" panose="02040503050406030204" pitchFamily="18" charset="0"/>
+                              <a:ea typeface="Times New Roman" panose="02020603050405020304" pitchFamily="18" charset="0"/>
+                              <a:cs typeface="Times New Roman" panose="02020603050405020304" pitchFamily="18" charset="0"/>
+                            </a:rPr>
+                            <m:t>𝐷𝑖</m:t>
+                          </m:r>
+                          <m:sSub>
+                            <m:sSubPr>
+                              <m:ctrlPr>
+                                <a:rPr lang="es-CO" sz="1800" i="1">
+                                  <a:effectLst/>
+                                  <a:latin typeface="Cambria Math" panose="02040503050406030204" pitchFamily="18" charset="0"/>
+                                  <a:ea typeface="Times New Roman" panose="02020603050405020304" pitchFamily="18" charset="0"/>
+                                  <a:cs typeface="Times New Roman" panose="02020603050405020304" pitchFamily="18" charset="0"/>
+                                </a:rPr>
+                              </m:ctrlPr>
+                            </m:sSubPr>
+                            <m:e>
+                              <m:r>
+                                <a:rPr lang="es-CO" sz="1800" i="1">
+                                  <a:effectLst/>
+                                  <a:latin typeface="Cambria Math" panose="02040503050406030204" pitchFamily="18" charset="0"/>
+                                  <a:ea typeface="Times New Roman" panose="02020603050405020304" pitchFamily="18" charset="0"/>
+                                  <a:cs typeface="Times New Roman" panose="02020603050405020304" pitchFamily="18" charset="0"/>
+                                </a:rPr>
+                                <m:t>𝑣</m:t>
+                              </m:r>
+                            </m:e>
+                            <m:sub>
+                              <m:r>
+                                <a:rPr lang="es-CO" sz="1800" i="1">
+                                  <a:effectLst/>
+                                  <a:latin typeface="Cambria Math" panose="02040503050406030204" pitchFamily="18" charset="0"/>
+                                  <a:ea typeface="Times New Roman" panose="02020603050405020304" pitchFamily="18" charset="0"/>
+                                  <a:cs typeface="Times New Roman" panose="02020603050405020304" pitchFamily="18" charset="0"/>
+                                </a:rPr>
+                                <m:t>𝐵</m:t>
+                              </m:r>
+                            </m:sub>
+                          </m:sSub>
+                        </m:e>
+                      </m:d>
+                      <m:r>
+                        <a:rPr lang="es-CO" sz="1800" i="1">
+                          <a:effectLst/>
+                          <a:latin typeface="Cambria Math" panose="02040503050406030204" pitchFamily="18" charset="0"/>
+                          <a:ea typeface="Times New Roman" panose="02020603050405020304" pitchFamily="18" charset="0"/>
+                          <a:cs typeface="Times New Roman" panose="02020603050405020304" pitchFamily="18" charset="0"/>
+                        </a:rPr>
+                        <m:t>    </m:t>
+                      </m:r>
+                      <m:r>
+                        <a:rPr lang="es-CO" sz="1800" b="0" i="1" smtClean="0">
+                          <a:effectLst/>
+                          <a:latin typeface="Cambria Math" panose="02040503050406030204" pitchFamily="18" charset="0"/>
+                          <a:ea typeface="Times New Roman" panose="02020603050405020304" pitchFamily="18" charset="0"/>
+                          <a:cs typeface="Times New Roman" panose="02020603050405020304" pitchFamily="18" charset="0"/>
+                        </a:rPr>
+                        <m:t>   </m:t>
+                      </m:r>
+                      <m:r>
+                        <a:rPr lang="es-CO" sz="1800" i="1">
+                          <a:effectLst/>
+                          <a:latin typeface="Cambria Math" panose="02040503050406030204" pitchFamily="18" charset="0"/>
+                          <a:ea typeface="Times New Roman" panose="02020603050405020304" pitchFamily="18" charset="0"/>
+                          <a:cs typeface="Times New Roman" panose="02020603050405020304" pitchFamily="18" charset="0"/>
+                        </a:rPr>
+                        <m:t> </m:t>
+                      </m:r>
+                      <m:r>
+                        <a:rPr lang="es-CO" sz="1800" b="0" i="1" smtClean="0">
+                          <a:effectLst/>
+                          <a:latin typeface="Cambria Math" panose="02040503050406030204" pitchFamily="18" charset="0"/>
+                          <a:ea typeface="Times New Roman" panose="02020603050405020304" pitchFamily="18" charset="0"/>
+                          <a:cs typeface="Times New Roman" panose="02020603050405020304" pitchFamily="18" charset="0"/>
+                        </a:rPr>
+                        <m:t> </m:t>
+                      </m:r>
+                    </m:oMath>
+                  </m:oMathPara>
+                </a14:m>
+                <a:endParaRPr lang="es-CO" sz="1800" dirty="0">
+                  <a:effectLst/>
+                  <a:latin typeface="Calibri" panose="020F0502020204030204" pitchFamily="34" charset="0"/>
+                  <a:ea typeface="Calibri" panose="020F0502020204030204" pitchFamily="34" charset="0"/>
+                  <a:cs typeface="Times New Roman" panose="02020603050405020304" pitchFamily="18" charset="0"/>
+                </a:endParaRPr>
+              </a:p>
+              <a:p>
+                <a:pPr marL="0" indent="0" algn="just">
+                  <a:buNone/>
+                </a:pPr>
+                <a:endParaRPr lang="en-GB" sz="2000" dirty="0">
+                  <a:latin typeface="Century Gothic" panose="020B0502020202020204" pitchFamily="34" charset="0"/>
+                </a:endParaRPr>
+              </a:p>
+            </p:txBody>
+          </p:sp>
+        </mc:Choice>
+        <mc:Fallback xmlns="">
+          <p:sp>
+            <p:nvSpPr>
+              <p:cNvPr id="2" name="Marcador de contenido 1">
+                <a:extLst>
+                  <a:ext uri="{FF2B5EF4-FFF2-40B4-BE49-F238E27FC236}">
+                    <a16:creationId xmlns:a16="http://schemas.microsoft.com/office/drawing/2014/main" id="{1E76053E-E553-4C2C-919A-CE7A30FA73F9}"/>
+                  </a:ext>
+                </a:extLst>
+              </p:cNvPr>
+              <p:cNvSpPr>
+                <a:spLocks noGrp="1" noRot="1" noChangeAspect="1" noMove="1" noResize="1" noEditPoints="1" noAdjustHandles="1" noChangeArrowheads="1" noChangeShapeType="1" noTextEdit="1"/>
+              </p:cNvSpPr>
+              <p:nvPr>
+                <p:ph idx="1"/>
+              </p:nvPr>
+            </p:nvSpPr>
+            <p:spPr>
+              <a:xfrm>
+                <a:off x="614596" y="1454046"/>
+                <a:ext cx="10628026" cy="3927423"/>
+              </a:xfrm>
+              <a:blipFill>
+                <a:blip r:embed="rId2"/>
+                <a:stretch>
+                  <a:fillRect l="-516" t="-932" r="-574"/>
+                </a:stretch>
+              </a:blipFill>
+            </p:spPr>
+            <p:txBody>
+              <a:bodyPr/>
+              <a:lstStyle/>
+              <a:p>
+                <a:r>
+                  <a:rPr lang="es-CO">
+                    <a:noFill/>
+                  </a:rPr>
+                  <a:t> </a:t>
+                </a:r>
+              </a:p>
+            </p:txBody>
+          </p:sp>
+        </mc:Fallback>
+      </mc:AlternateContent>
+      <p:sp>
+        <p:nvSpPr>
+          <p:cNvPr id="3" name="Título 2">
+            <a:extLst>
+              <a:ext uri="{FF2B5EF4-FFF2-40B4-BE49-F238E27FC236}">
+                <a16:creationId xmlns:a16="http://schemas.microsoft.com/office/drawing/2014/main" id="{5DA68AA8-71CC-44C3-BE34-4520548865CD}"/>
+              </a:ext>
+            </a:extLst>
+          </p:cNvPr>
+          <p:cNvSpPr>
+            <a:spLocks noGrp="1"/>
+          </p:cNvSpPr>
+          <p:nvPr>
+            <p:ph type="title"/>
+          </p:nvPr>
+        </p:nvSpPr>
+        <p:spPr>
+          <a:xfrm>
+            <a:off x="779281" y="274637"/>
+            <a:ext cx="7694645" cy="979127"/>
+          </a:xfrm>
+        </p:spPr>
+        <p:txBody>
+          <a:bodyPr>
+            <a:normAutofit/>
+          </a:bodyPr>
+          <a:lstStyle/>
+          <a:p>
+            <a:pPr algn="l"/>
+            <a:r>
+              <a:rPr lang="es-CO" b="1" dirty="0">
+                <a:latin typeface="Century Gothic" panose="020B0502020202020204" pitchFamily="34" charset="0"/>
+              </a:rPr>
+              <a:t>Foreign Direct Investment. </a:t>
+            </a:r>
+          </a:p>
+        </p:txBody>
+      </p:sp>
+    </p:spTree>
+    <p:extLst>
+      <p:ext uri="{BB962C8B-B14F-4D97-AF65-F5344CB8AC3E}">
+        <p14:creationId xmlns:p14="http://schemas.microsoft.com/office/powerpoint/2010/main" val="3573433702"/>
+      </p:ext>
+    </p:extLst>
+  </p:cSld>
+  <p:clrMapOvr>
+    <a:masterClrMapping/>
+  </p:clrMapOvr>
+</p:sld>
+</file>
+
+<file path=ppt/slides/slide16.xml><?xml version="1.0" encoding="utf-8"?>
+<p:sld xmlns:a="http://schemas.openxmlformats.org/drawingml/2006/main" xmlns:r="http://schemas.openxmlformats.org/officeDocument/2006/relationships" xmlns:p="http://schemas.openxmlformats.org/presentationml/2006/main">
+  <p:cSld>
+    <p:spTree>
+      <p:nvGrpSpPr>
+        <p:cNvPr id="1" name=""/>
+        <p:cNvGrpSpPr/>
+        <p:nvPr/>
+      </p:nvGrpSpPr>
+      <p:grpSpPr>
+        <a:xfrm>
+          <a:off x="0" y="0"/>
+          <a:ext cx="0" cy="0"/>
+          <a:chOff x="0" y="0"/>
+          <a:chExt cx="0" cy="0"/>
+        </a:xfrm>
+      </p:grpSpPr>
       <p:sp>
         <p:nvSpPr>
           <p:cNvPr id="2" name="1 Título"/>
@@ -7280,7 +8103,859 @@
             <p:ph type="title"/>
           </p:nvPr>
         </p:nvSpPr>
-        <p:spPr/>
+        <p:spPr>
+          <a:xfrm>
+            <a:off x="631765" y="427705"/>
+            <a:ext cx="5832648" cy="1354162"/>
+          </a:xfrm>
+        </p:spPr>
+        <p:txBody>
+          <a:bodyPr>
+            <a:normAutofit/>
+          </a:bodyPr>
+          <a:lstStyle/>
+          <a:p>
+            <a:pPr algn="l"/>
+            <a:r>
+              <a:rPr lang="en-GB" sz="3600" b="1" dirty="0">
+                <a:latin typeface="Century Gothic" panose="020B0502020202020204" pitchFamily="34" charset="0"/>
+              </a:rPr>
+              <a:t>Approaches to defining productivity behaviour:</a:t>
+            </a:r>
+          </a:p>
+        </p:txBody>
+      </p:sp>
+      <mc:AlternateContent xmlns:mc="http://schemas.openxmlformats.org/markup-compatibility/2006">
+        <mc:Choice xmlns:a14="http://schemas.microsoft.com/office/drawing/2010/main" Requires="a14">
+          <p:sp>
+            <p:nvSpPr>
+              <p:cNvPr id="3" name="2 Marcador de contenido"/>
+              <p:cNvSpPr>
+                <a:spLocks noGrp="1"/>
+              </p:cNvSpPr>
+              <p:nvPr>
+                <p:ph idx="1"/>
+              </p:nvPr>
+            </p:nvSpPr>
+            <p:spPr>
+              <a:xfrm>
+                <a:off x="336884" y="1864782"/>
+                <a:ext cx="11261558" cy="4030692"/>
+              </a:xfrm>
+            </p:spPr>
+            <p:txBody>
+              <a:bodyPr>
+                <a:normAutofit fontScale="92500" lnSpcReduction="20000"/>
+              </a:bodyPr>
+              <a:lstStyle/>
+              <a:p>
+                <a:pPr marL="514350" indent="-514350" algn="just">
+                  <a:buFont typeface="Arial" panose="020B0604020202020204" pitchFamily="34" charset="0"/>
+                  <a:buAutoNum type="arabicPeriod"/>
+                </a:pPr>
+                <a:r>
+                  <a:rPr lang="es-CO" sz="2600" dirty="0"/>
+                  <a:t>To think of productivity as the average product of each of the factors of production, labor, and capital, and its variation as the result of changes in each of the variables that make up the relationship (see Felipe &amp; Kumar (2010) ):</a:t>
+                </a:r>
+              </a:p>
+              <a:p>
+                <a:pPr marL="0" indent="0">
+                  <a:buNone/>
+                </a:pPr>
+                <a:endParaRPr lang="es-CO" sz="2600" dirty="0"/>
+              </a:p>
+              <a:p>
+                <a:pPr marL="0" indent="0">
+                  <a:buNone/>
+                </a:pPr>
+                <a:r>
+                  <a:rPr lang="es-ES" sz="2600" dirty="0"/>
+                  <a:t>	Labor productivity </a:t>
+                </a:r>
+                <a14:m>
+                  <m:oMath xmlns:m="http://schemas.openxmlformats.org/officeDocument/2006/math">
+                    <m:r>
+                      <a:rPr lang="es-ES" sz="2600">
+                        <a:latin typeface="Cambria Math" panose="02040503050406030204" pitchFamily="18" charset="0"/>
+                      </a:rPr>
+                      <m:t>                     </m:t>
+                    </m:r>
+                    <m:r>
+                      <a:rPr lang="es-ES" sz="2600" i="1">
+                        <a:latin typeface="Cambria Math" panose="02040503050406030204" pitchFamily="18" charset="0"/>
+                      </a:rPr>
+                      <m:t>𝑎</m:t>
+                    </m:r>
+                    <m:r>
+                      <a:rPr lang="es-ES" sz="2600" i="1">
+                        <a:latin typeface="Cambria Math" panose="02040503050406030204" pitchFamily="18" charset="0"/>
+                      </a:rPr>
+                      <m:t>=</m:t>
+                    </m:r>
+                    <m:f>
+                      <m:fPr>
+                        <m:ctrlPr>
+                          <a:rPr lang="es-ES" sz="2600" i="1">
+                            <a:latin typeface="Cambria Math" panose="02040503050406030204" pitchFamily="18" charset="0"/>
+                          </a:rPr>
+                        </m:ctrlPr>
+                      </m:fPr>
+                      <m:num>
+                        <m:sSup>
+                          <m:sSupPr>
+                            <m:ctrlPr>
+                              <a:rPr lang="es-ES" sz="2600" i="1">
+                                <a:latin typeface="Cambria Math" panose="02040503050406030204" pitchFamily="18" charset="0"/>
+                              </a:rPr>
+                            </m:ctrlPr>
+                          </m:sSupPr>
+                          <m:e>
+                            <m:r>
+                              <a:rPr lang="es-ES" sz="2600" i="1">
+                                <a:latin typeface="Cambria Math" panose="02040503050406030204" pitchFamily="18" charset="0"/>
+                              </a:rPr>
+                              <m:t>𝑌</m:t>
+                            </m:r>
+                          </m:e>
+                          <m:sup>
+                            <m:r>
+                              <a:rPr lang="es-ES" sz="2600" i="1">
+                                <a:latin typeface="Cambria Math" panose="02040503050406030204" pitchFamily="18" charset="0"/>
+                              </a:rPr>
+                              <m:t>𝐷</m:t>
+                            </m:r>
+                          </m:sup>
+                        </m:sSup>
+                      </m:num>
+                      <m:den>
+                        <m:r>
+                          <a:rPr lang="es-ES" sz="2600" i="1">
+                            <a:latin typeface="Cambria Math" panose="02040503050406030204" pitchFamily="18" charset="0"/>
+                          </a:rPr>
+                          <m:t>𝐿</m:t>
+                        </m:r>
+                      </m:den>
+                    </m:f>
+                  </m:oMath>
+                </a14:m>
+                <a:endParaRPr lang="es-CO" sz="2600" dirty="0"/>
+              </a:p>
+              <a:p>
+                <a:pPr marL="0" indent="0">
+                  <a:buNone/>
+                </a:pPr>
+                <a:endParaRPr lang="es-CO" sz="2600" dirty="0"/>
+              </a:p>
+              <a:p>
+                <a:pPr marL="0" indent="0">
+                  <a:buNone/>
+                </a:pPr>
+                <a:r>
+                  <a:rPr lang="es-ES" sz="2600" dirty="0"/>
+                  <a:t>	Capital productivity </a:t>
+                </a:r>
+                <a14:m>
+                  <m:oMath xmlns:m="http://schemas.openxmlformats.org/officeDocument/2006/math">
+                    <m:r>
+                      <a:rPr lang="es-ES" sz="2600">
+                        <a:latin typeface="Cambria Math" panose="02040503050406030204" pitchFamily="18" charset="0"/>
+                      </a:rPr>
+                      <m:t>                     </m:t>
+                    </m:r>
+                    <m:r>
+                      <a:rPr lang="es-ES" sz="2600" i="1">
+                        <a:latin typeface="Cambria Math" panose="02040503050406030204" pitchFamily="18" charset="0"/>
+                      </a:rPr>
+                      <m:t>𝑣</m:t>
+                    </m:r>
+                    <m:r>
+                      <a:rPr lang="es-ES" sz="2600" i="1">
+                        <a:latin typeface="Cambria Math" panose="02040503050406030204" pitchFamily="18" charset="0"/>
+                      </a:rPr>
+                      <m:t>=</m:t>
+                    </m:r>
+                    <m:f>
+                      <m:fPr>
+                        <m:ctrlPr>
+                          <a:rPr lang="es-ES" sz="2600" i="1">
+                            <a:latin typeface="Cambria Math" panose="02040503050406030204" pitchFamily="18" charset="0"/>
+                          </a:rPr>
+                        </m:ctrlPr>
+                      </m:fPr>
+                      <m:num>
+                        <m:sSup>
+                          <m:sSupPr>
+                            <m:ctrlPr>
+                              <a:rPr lang="es-ES" sz="2600" i="1">
+                                <a:latin typeface="Cambria Math" panose="02040503050406030204" pitchFamily="18" charset="0"/>
+                              </a:rPr>
+                            </m:ctrlPr>
+                          </m:sSupPr>
+                          <m:e>
+                            <m:r>
+                              <a:rPr lang="es-ES" sz="2600" i="1">
+                                <a:latin typeface="Cambria Math" panose="02040503050406030204" pitchFamily="18" charset="0"/>
+                              </a:rPr>
+                              <m:t>𝑌</m:t>
+                            </m:r>
+                          </m:e>
+                          <m:sup>
+                            <m:r>
+                              <a:rPr lang="es-ES" sz="2600" i="1">
+                                <a:latin typeface="Cambria Math" panose="02040503050406030204" pitchFamily="18" charset="0"/>
+                              </a:rPr>
+                              <m:t>𝐷</m:t>
+                            </m:r>
+                          </m:sup>
+                        </m:sSup>
+                      </m:num>
+                      <m:den>
+                        <m:r>
+                          <a:rPr lang="es-ES" sz="2600" i="1">
+                            <a:latin typeface="Cambria Math" panose="02040503050406030204" pitchFamily="18" charset="0"/>
+                          </a:rPr>
+                          <m:t>𝐾</m:t>
+                        </m:r>
+                      </m:den>
+                    </m:f>
+                  </m:oMath>
+                </a14:m>
+                <a:endParaRPr lang="es-CO" sz="2600" dirty="0"/>
+              </a:p>
+              <a:p>
+                <a:pPr marL="0" indent="0">
+                  <a:buNone/>
+                </a:pPr>
+                <a:endParaRPr lang="es-CO" sz="2600" dirty="0"/>
+              </a:p>
+              <a:p>
+                <a:pPr marL="0" indent="0" algn="just">
+                  <a:buNone/>
+                </a:pPr>
+                <a:r>
+                  <a:rPr lang="es-CO" sz="2600" dirty="0"/>
+                  <a:t>Several works adopt this methodology,  particularly to analyze problems of distributive justice: Ossa(2018), Moreno Serna &amp; Pulido (2012).</a:t>
+                </a:r>
+              </a:p>
+              <a:p>
+                <a:pPr marL="0" indent="0">
+                  <a:buNone/>
+                </a:pPr>
+                <a:endParaRPr lang="es-CO" sz="2600" dirty="0"/>
+              </a:p>
+            </p:txBody>
+          </p:sp>
+        </mc:Choice>
+        <mc:Fallback>
+          <p:sp>
+            <p:nvSpPr>
+              <p:cNvPr id="3" name="2 Marcador de contenido"/>
+              <p:cNvSpPr>
+                <a:spLocks noGrp="1" noRot="1" noChangeAspect="1" noMove="1" noResize="1" noEditPoints="1" noAdjustHandles="1" noChangeArrowheads="1" noChangeShapeType="1" noTextEdit="1"/>
+              </p:cNvSpPr>
+              <p:nvPr>
+                <p:ph idx="1"/>
+              </p:nvPr>
+            </p:nvSpPr>
+            <p:spPr>
+              <a:xfrm>
+                <a:off x="336884" y="1864782"/>
+                <a:ext cx="11261558" cy="4030692"/>
+              </a:xfrm>
+              <a:blipFill>
+                <a:blip r:embed="rId2"/>
+                <a:stretch>
+                  <a:fillRect l="-788" t="-3135" r="-788"/>
+                </a:stretch>
+              </a:blipFill>
+            </p:spPr>
+            <p:txBody>
+              <a:bodyPr/>
+              <a:lstStyle/>
+              <a:p>
+                <a:r>
+                  <a:rPr lang="es-CO">
+                    <a:noFill/>
+                  </a:rPr>
+                  <a:t> </a:t>
+                </a:r>
+              </a:p>
+            </p:txBody>
+          </p:sp>
+        </mc:Fallback>
+      </mc:AlternateContent>
+    </p:spTree>
+    <p:extLst>
+      <p:ext uri="{BB962C8B-B14F-4D97-AF65-F5344CB8AC3E}">
+        <p14:creationId xmlns:p14="http://schemas.microsoft.com/office/powerpoint/2010/main" val="2652929981"/>
+      </p:ext>
+    </p:extLst>
+  </p:cSld>
+  <p:clrMapOvr>
+    <a:masterClrMapping/>
+  </p:clrMapOvr>
+</p:sld>
+</file>
+
+<file path=ppt/slides/slide17.xml><?xml version="1.0" encoding="utf-8"?>
+<p:sld xmlns:a="http://schemas.openxmlformats.org/drawingml/2006/main" xmlns:r="http://schemas.openxmlformats.org/officeDocument/2006/relationships" xmlns:p="http://schemas.openxmlformats.org/presentationml/2006/main">
+  <p:cSld>
+    <p:spTree>
+      <p:nvGrpSpPr>
+        <p:cNvPr id="1" name=""/>
+        <p:cNvGrpSpPr/>
+        <p:nvPr/>
+      </p:nvGrpSpPr>
+      <p:grpSpPr>
+        <a:xfrm>
+          <a:off x="0" y="0"/>
+          <a:ext cx="0" cy="0"/>
+          <a:chOff x="0" y="0"/>
+          <a:chExt cx="0" cy="0"/>
+        </a:xfrm>
+      </p:grpSpPr>
+      <p:sp>
+        <p:nvSpPr>
+          <p:cNvPr id="2" name="1 Título"/>
+          <p:cNvSpPr>
+            <a:spLocks noGrp="1"/>
+          </p:cNvSpPr>
+          <p:nvPr>
+            <p:ph type="title"/>
+          </p:nvPr>
+        </p:nvSpPr>
+        <p:spPr>
+          <a:xfrm>
+            <a:off x="372979" y="476672"/>
+            <a:ext cx="7378813" cy="1364160"/>
+          </a:xfrm>
+        </p:spPr>
+        <p:txBody>
+          <a:bodyPr>
+            <a:normAutofit/>
+          </a:bodyPr>
+          <a:lstStyle/>
+          <a:p>
+            <a:pPr algn="l"/>
+            <a:r>
+              <a:rPr lang="en-GB" sz="3600" b="1" dirty="0">
+                <a:latin typeface="Century Gothic" panose="020B0502020202020204" pitchFamily="34" charset="0"/>
+              </a:rPr>
+              <a:t>Approaches to defining productivity behaviour:</a:t>
+            </a:r>
+          </a:p>
+        </p:txBody>
+      </p:sp>
+      <mc:AlternateContent xmlns:mc="http://schemas.openxmlformats.org/markup-compatibility/2006">
+        <mc:Choice xmlns:a14="http://schemas.microsoft.com/office/drawing/2010/main" Requires="a14">
+          <p:sp>
+            <p:nvSpPr>
+              <p:cNvPr id="3" name="2 Marcador de contenido"/>
+              <p:cNvSpPr>
+                <a:spLocks noGrp="1"/>
+              </p:cNvSpPr>
+              <p:nvPr>
+                <p:ph idx="1"/>
+              </p:nvPr>
+            </p:nvSpPr>
+            <p:spPr>
+              <a:xfrm>
+                <a:off x="541421" y="1864782"/>
+                <a:ext cx="10924674" cy="3898344"/>
+              </a:xfrm>
+            </p:spPr>
+            <p:txBody>
+              <a:bodyPr>
+                <a:normAutofit fontScale="92500" lnSpcReduction="10000"/>
+              </a:bodyPr>
+              <a:lstStyle/>
+              <a:p>
+                <a:pPr marL="0" indent="0" algn="just">
+                  <a:buNone/>
+                </a:pPr>
+                <a:r>
+                  <a:rPr lang="es-CO" sz="2600" dirty="0"/>
+                  <a:t>2. </a:t>
+                </a:r>
+                <a:r>
+                  <a:rPr lang="es-CO" sz="2400" dirty="0"/>
+                  <a:t>Understand the variation of the average product of each of the production factors as a variable dependent on other endogenous variables. To do this, we must start by adapting Kaldor's proposals, as well as including elements that directly link the productivity of both capital and labor with the productive structure and the external sector.</a:t>
+                </a:r>
+              </a:p>
+              <a:p>
+                <a:pPr marL="0" indent="0">
+                  <a:buNone/>
+                </a:pPr>
+                <a:endParaRPr lang="es-CO" sz="2400" dirty="0"/>
+              </a:p>
+              <a:p>
+                <a:pPr marL="0" indent="0">
+                  <a:buNone/>
+                </a:pPr>
+                <a:r>
+                  <a:rPr lang="es-CO" sz="2400" dirty="0"/>
+                  <a:t>Change in capital productivity   </a:t>
+                </a:r>
+                <a14:m>
+                  <m:oMath xmlns:m="http://schemas.openxmlformats.org/officeDocument/2006/math">
+                    <m:sSub>
+                      <m:sSubPr>
+                        <m:ctrlPr>
+                          <a:rPr lang="es-CO" sz="2400" i="1">
+                            <a:latin typeface="Cambria Math" panose="02040503050406030204" pitchFamily="18" charset="0"/>
+                          </a:rPr>
+                        </m:ctrlPr>
+                      </m:sSubPr>
+                      <m:e>
+                        <m:r>
+                          <a:rPr lang="es-ES" sz="2400" i="1">
+                            <a:latin typeface="Cambria Math" panose="02040503050406030204" pitchFamily="18" charset="0"/>
+                          </a:rPr>
+                          <m:t>𝛼</m:t>
+                        </m:r>
+                      </m:e>
+                      <m:sub>
+                        <m:r>
+                          <a:rPr lang="es-ES" sz="2400" i="1">
+                            <a:latin typeface="Cambria Math" panose="02040503050406030204" pitchFamily="18" charset="0"/>
+                          </a:rPr>
+                          <m:t>𝑣</m:t>
+                        </m:r>
+                      </m:sub>
+                    </m:sSub>
+                    <m:r>
+                      <a:rPr lang="es-ES" sz="2400" i="1">
+                        <a:latin typeface="Cambria Math" panose="02040503050406030204" pitchFamily="18" charset="0"/>
+                      </a:rPr>
+                      <m:t>=</m:t>
+                    </m:r>
+                    <m:sSub>
+                      <m:sSubPr>
+                        <m:ctrlPr>
+                          <a:rPr lang="es-CO" sz="2400" i="1">
+                            <a:latin typeface="Cambria Math" panose="02040503050406030204" pitchFamily="18" charset="0"/>
+                          </a:rPr>
+                        </m:ctrlPr>
+                      </m:sSubPr>
+                      <m:e>
+                        <m:r>
+                          <a:rPr lang="es-ES" sz="2400" i="1">
+                            <a:latin typeface="Cambria Math" panose="02040503050406030204" pitchFamily="18" charset="0"/>
+                          </a:rPr>
+                          <m:t>𝛼</m:t>
+                        </m:r>
+                      </m:e>
+                      <m:sub>
+                        <m:r>
+                          <a:rPr lang="es-ES" sz="2400" i="1">
+                            <a:latin typeface="Cambria Math" panose="02040503050406030204" pitchFamily="18" charset="0"/>
+                          </a:rPr>
+                          <m:t>1</m:t>
+                        </m:r>
+                      </m:sub>
+                    </m:sSub>
+                    <m:r>
+                      <a:rPr lang="es-ES" sz="2400" i="1">
+                        <a:latin typeface="Cambria Math" panose="02040503050406030204" pitchFamily="18" charset="0"/>
+                      </a:rPr>
+                      <m:t>−</m:t>
+                    </m:r>
+                    <m:sSub>
+                      <m:sSubPr>
+                        <m:ctrlPr>
+                          <a:rPr lang="es-CO" sz="2400" i="1">
+                            <a:latin typeface="Cambria Math" panose="02040503050406030204" pitchFamily="18" charset="0"/>
+                          </a:rPr>
+                        </m:ctrlPr>
+                      </m:sSubPr>
+                      <m:e>
+                        <m:r>
+                          <a:rPr lang="es-ES" sz="2400" i="1">
+                            <a:latin typeface="Cambria Math" panose="02040503050406030204" pitchFamily="18" charset="0"/>
+                          </a:rPr>
+                          <m:t>𝛼</m:t>
+                        </m:r>
+                      </m:e>
+                      <m:sub>
+                        <m:r>
+                          <a:rPr lang="es-ES" sz="2400" i="1">
+                            <a:latin typeface="Cambria Math" panose="02040503050406030204" pitchFamily="18" charset="0"/>
+                          </a:rPr>
+                          <m:t>2</m:t>
+                        </m:r>
+                      </m:sub>
+                    </m:sSub>
+                    <m:acc>
+                      <m:accPr>
+                        <m:chr m:val="̇"/>
+                        <m:ctrlPr>
+                          <a:rPr lang="es-CO" sz="2400" i="1">
+                            <a:latin typeface="Cambria Math" panose="02040503050406030204" pitchFamily="18" charset="0"/>
+                          </a:rPr>
+                        </m:ctrlPr>
+                      </m:accPr>
+                      <m:e>
+                        <m:r>
+                          <a:rPr lang="es-ES" sz="2400" i="1">
+                            <a:latin typeface="Cambria Math" panose="02040503050406030204" pitchFamily="18" charset="0"/>
+                          </a:rPr>
+                          <m:t>𝑀</m:t>
+                        </m:r>
+                      </m:e>
+                    </m:acc>
+                    <m:r>
+                      <a:rPr lang="es-ES" sz="2400" i="1">
+                        <a:latin typeface="Cambria Math" panose="02040503050406030204" pitchFamily="18" charset="0"/>
+                      </a:rPr>
+                      <m:t>+ </m:t>
+                    </m:r>
+                    <m:sSub>
+                      <m:sSubPr>
+                        <m:ctrlPr>
+                          <a:rPr lang="es-CO" sz="2400" i="1">
+                            <a:latin typeface="Cambria Math" panose="02040503050406030204" pitchFamily="18" charset="0"/>
+                          </a:rPr>
+                        </m:ctrlPr>
+                      </m:sSubPr>
+                      <m:e>
+                        <m:r>
+                          <a:rPr lang="es-ES" sz="2400" i="1">
+                            <a:latin typeface="Cambria Math" panose="02040503050406030204" pitchFamily="18" charset="0"/>
+                          </a:rPr>
+                          <m:t>𝛼</m:t>
+                        </m:r>
+                      </m:e>
+                      <m:sub>
+                        <m:r>
+                          <a:rPr lang="es-ES" sz="2400" i="1">
+                            <a:latin typeface="Cambria Math" panose="02040503050406030204" pitchFamily="18" charset="0"/>
+                          </a:rPr>
+                          <m:t>3</m:t>
+                        </m:r>
+                      </m:sub>
+                    </m:sSub>
+                    <m:acc>
+                      <m:accPr>
+                        <m:chr m:val="̇"/>
+                        <m:ctrlPr>
+                          <a:rPr lang="es-CO" sz="2400" i="1">
+                            <a:latin typeface="Cambria Math" panose="02040503050406030204" pitchFamily="18" charset="0"/>
+                          </a:rPr>
+                        </m:ctrlPr>
+                      </m:accPr>
+                      <m:e>
+                        <m:r>
+                          <a:rPr lang="es-ES" sz="2400" i="1">
+                            <a:latin typeface="Cambria Math" panose="02040503050406030204" pitchFamily="18" charset="0"/>
+                          </a:rPr>
+                          <m:t>𝑌</m:t>
+                        </m:r>
+                      </m:e>
+                    </m:acc>
+                  </m:oMath>
+                </a14:m>
+                <a:endParaRPr lang="es-CO" sz="2400" dirty="0"/>
+              </a:p>
+              <a:p>
+                <a:pPr marL="0" indent="0">
+                  <a:buNone/>
+                </a:pPr>
+                <a:r>
+                  <a:rPr lang="es-CO" sz="2400" dirty="0"/>
+                  <a:t>Change in labor productivity</a:t>
+                </a:r>
+                <a14:m>
+                  <m:oMath xmlns:m="http://schemas.openxmlformats.org/officeDocument/2006/math">
+                    <m:sSub>
+                      <m:sSubPr>
+                        <m:ctrlPr>
+                          <a:rPr lang="es-CO" sz="2400" i="1">
+                            <a:latin typeface="Cambria Math" panose="02040503050406030204" pitchFamily="18" charset="0"/>
+                          </a:rPr>
+                        </m:ctrlPr>
+                      </m:sSubPr>
+                      <m:e>
+                        <m:r>
+                          <a:rPr lang="es-ES" sz="2400" i="1">
+                            <a:latin typeface="Cambria Math" panose="02040503050406030204" pitchFamily="18" charset="0"/>
+                          </a:rPr>
+                          <m:t>      </m:t>
+                        </m:r>
+                        <m:r>
+                          <a:rPr lang="es-ES" sz="2400" i="1">
+                            <a:latin typeface="Cambria Math" panose="02040503050406030204" pitchFamily="18" charset="0"/>
+                          </a:rPr>
+                          <m:t>𝛼</m:t>
+                        </m:r>
+                      </m:e>
+                      <m:sub>
+                        <m:r>
+                          <a:rPr lang="es-ES" sz="2400" i="1">
+                            <a:latin typeface="Cambria Math" panose="02040503050406030204" pitchFamily="18" charset="0"/>
+                          </a:rPr>
+                          <m:t>𝑎</m:t>
+                        </m:r>
+                      </m:sub>
+                    </m:sSub>
+                    <m:r>
+                      <a:rPr lang="es-ES" sz="2400" i="1">
+                        <a:latin typeface="Cambria Math" panose="02040503050406030204" pitchFamily="18" charset="0"/>
+                      </a:rPr>
+                      <m:t>=</m:t>
+                    </m:r>
+                    <m:sSub>
+                      <m:sSubPr>
+                        <m:ctrlPr>
+                          <a:rPr lang="es-CO" sz="2400" i="1">
+                            <a:latin typeface="Cambria Math" panose="02040503050406030204" pitchFamily="18" charset="0"/>
+                          </a:rPr>
+                        </m:ctrlPr>
+                      </m:sSubPr>
+                      <m:e>
+                        <m:r>
+                          <a:rPr lang="es-ES" sz="2400" i="1">
+                            <a:latin typeface="Cambria Math" panose="02040503050406030204" pitchFamily="18" charset="0"/>
+                          </a:rPr>
+                          <m:t>𝛼</m:t>
+                        </m:r>
+                      </m:e>
+                      <m:sub>
+                        <m:r>
+                          <a:rPr lang="es-ES" sz="2400" i="1">
+                            <a:latin typeface="Cambria Math" panose="02040503050406030204" pitchFamily="18" charset="0"/>
+                          </a:rPr>
+                          <m:t>1</m:t>
+                        </m:r>
+                      </m:sub>
+                    </m:sSub>
+                    <m:r>
+                      <a:rPr lang="es-ES" sz="2400" i="1">
+                        <a:latin typeface="Cambria Math" panose="02040503050406030204" pitchFamily="18" charset="0"/>
+                      </a:rPr>
+                      <m:t>+</m:t>
+                    </m:r>
+                    <m:sSub>
+                      <m:sSubPr>
+                        <m:ctrlPr>
+                          <a:rPr lang="es-CO" sz="2400" i="1">
+                            <a:latin typeface="Cambria Math" panose="02040503050406030204" pitchFamily="18" charset="0"/>
+                          </a:rPr>
+                        </m:ctrlPr>
+                      </m:sSubPr>
+                      <m:e>
+                        <m:r>
+                          <a:rPr lang="es-ES" sz="2400" i="1">
+                            <a:latin typeface="Cambria Math" panose="02040503050406030204" pitchFamily="18" charset="0"/>
+                          </a:rPr>
+                          <m:t>𝛼</m:t>
+                        </m:r>
+                      </m:e>
+                      <m:sub>
+                        <m:r>
+                          <a:rPr lang="es-ES" sz="2400" i="1">
+                            <a:latin typeface="Cambria Math" panose="02040503050406030204" pitchFamily="18" charset="0"/>
+                          </a:rPr>
+                          <m:t>2</m:t>
+                        </m:r>
+                      </m:sub>
+                    </m:sSub>
+                    <m:acc>
+                      <m:accPr>
+                        <m:chr m:val="̇"/>
+                        <m:ctrlPr>
+                          <a:rPr lang="es-CO" sz="2400" i="1">
+                            <a:latin typeface="Cambria Math" panose="02040503050406030204" pitchFamily="18" charset="0"/>
+                          </a:rPr>
+                        </m:ctrlPr>
+                      </m:accPr>
+                      <m:e>
+                        <m:r>
+                          <a:rPr lang="es-ES" sz="2400" i="1">
+                            <a:latin typeface="Cambria Math" panose="02040503050406030204" pitchFamily="18" charset="0"/>
+                          </a:rPr>
+                          <m:t>𝑊𝐵</m:t>
+                        </m:r>
+                      </m:e>
+                    </m:acc>
+                    <m:r>
+                      <a:rPr lang="es-ES" sz="2400" i="1">
+                        <a:latin typeface="Cambria Math" panose="02040503050406030204" pitchFamily="18" charset="0"/>
+                      </a:rPr>
+                      <m:t>+ </m:t>
+                    </m:r>
+                    <m:sSub>
+                      <m:sSubPr>
+                        <m:ctrlPr>
+                          <a:rPr lang="es-CO" sz="2400" i="1">
+                            <a:latin typeface="Cambria Math" panose="02040503050406030204" pitchFamily="18" charset="0"/>
+                          </a:rPr>
+                        </m:ctrlPr>
+                      </m:sSubPr>
+                      <m:e>
+                        <m:r>
+                          <a:rPr lang="es-ES" sz="2400" i="1">
+                            <a:latin typeface="Cambria Math" panose="02040503050406030204" pitchFamily="18" charset="0"/>
+                          </a:rPr>
+                          <m:t>𝛼</m:t>
+                        </m:r>
+                      </m:e>
+                      <m:sub>
+                        <m:r>
+                          <a:rPr lang="es-ES" sz="2400" i="1">
+                            <a:latin typeface="Cambria Math" panose="02040503050406030204" pitchFamily="18" charset="0"/>
+                          </a:rPr>
+                          <m:t>3</m:t>
+                        </m:r>
+                      </m:sub>
+                    </m:sSub>
+                    <m:r>
+                      <a:rPr lang="es-ES" sz="2400" i="1">
+                        <a:latin typeface="Cambria Math" panose="02040503050406030204" pitchFamily="18" charset="0"/>
+                      </a:rPr>
+                      <m:t> </m:t>
+                    </m:r>
+                    <m:acc>
+                      <m:accPr>
+                        <m:chr m:val="̇"/>
+                        <m:ctrlPr>
+                          <a:rPr lang="es-CO" sz="2400" i="1">
+                            <a:latin typeface="Cambria Math" panose="02040503050406030204" pitchFamily="18" charset="0"/>
+                          </a:rPr>
+                        </m:ctrlPr>
+                      </m:accPr>
+                      <m:e>
+                        <m:r>
+                          <a:rPr lang="es-ES" sz="2400" i="1">
+                            <a:latin typeface="Cambria Math" panose="02040503050406030204" pitchFamily="18" charset="0"/>
+                          </a:rPr>
+                          <m:t>𝑌</m:t>
+                        </m:r>
+                      </m:e>
+                    </m:acc>
+                  </m:oMath>
+                </a14:m>
+                <a:endParaRPr lang="es-CO" sz="2400" dirty="0"/>
+              </a:p>
+              <a:p>
+                <a:pPr marL="0" indent="0">
+                  <a:buNone/>
+                </a:pPr>
+                <a:endParaRPr lang="es-CO" sz="2400" dirty="0"/>
+              </a:p>
+              <a:p>
+                <a:pPr marL="0" indent="0">
+                  <a:buNone/>
+                </a:pPr>
+                <a:r>
+                  <a:rPr lang="es-CO" sz="2400" dirty="0"/>
+                  <a:t>In this regard, there are some estimates and evidence of the suitability of Kaldor's approaches for the Colombian economy: Moreno (2008) . However, given the characteristics of our model, they do not provide certainty.</a:t>
+                </a:r>
+              </a:p>
+              <a:p>
+                <a:pPr marL="0" indent="0">
+                  <a:buNone/>
+                </a:pPr>
+                <a:endParaRPr lang="es-CO" sz="2400" dirty="0"/>
+              </a:p>
+              <a:p>
+                <a:pPr marL="0" indent="0">
+                  <a:buNone/>
+                </a:pPr>
+                <a:endParaRPr lang="es-CO" dirty="0"/>
+              </a:p>
+              <a:p>
+                <a:pPr marL="0" indent="0">
+                  <a:buNone/>
+                </a:pPr>
+                <a:endParaRPr lang="es-CO" sz="2600" dirty="0"/>
+              </a:p>
+            </p:txBody>
+          </p:sp>
+        </mc:Choice>
+        <mc:Fallback>
+          <p:sp>
+            <p:nvSpPr>
+              <p:cNvPr id="3" name="2 Marcador de contenido"/>
+              <p:cNvSpPr>
+                <a:spLocks noGrp="1" noRot="1" noChangeAspect="1" noMove="1" noResize="1" noEditPoints="1" noAdjustHandles="1" noChangeArrowheads="1" noChangeShapeType="1" noTextEdit="1"/>
+              </p:cNvSpPr>
+              <p:nvPr>
+                <p:ph idx="1"/>
+              </p:nvPr>
+            </p:nvSpPr>
+            <p:spPr>
+              <a:xfrm>
+                <a:off x="541421" y="1864782"/>
+                <a:ext cx="10924674" cy="3898344"/>
+              </a:xfrm>
+              <a:blipFill>
+                <a:blip r:embed="rId2"/>
+                <a:stretch>
+                  <a:fillRect l="-813" t="-1623" r="-697" b="-649"/>
+                </a:stretch>
+              </a:blipFill>
+            </p:spPr>
+            <p:txBody>
+              <a:bodyPr/>
+              <a:lstStyle/>
+              <a:p>
+                <a:r>
+                  <a:rPr lang="es-CO">
+                    <a:noFill/>
+                  </a:rPr>
+                  <a:t> </a:t>
+                </a:r>
+              </a:p>
+            </p:txBody>
+          </p:sp>
+        </mc:Fallback>
+      </mc:AlternateContent>
+    </p:spTree>
+    <p:extLst>
+      <p:ext uri="{BB962C8B-B14F-4D97-AF65-F5344CB8AC3E}">
+        <p14:creationId xmlns:p14="http://schemas.microsoft.com/office/powerpoint/2010/main" val="1422119482"/>
+      </p:ext>
+    </p:extLst>
+  </p:cSld>
+  <p:clrMapOvr>
+    <a:masterClrMapping/>
+  </p:clrMapOvr>
+</p:sld>
+</file>
+
+<file path=ppt/slides/slide18.xml><?xml version="1.0" encoding="utf-8"?>
+<p:sld xmlns:a="http://schemas.openxmlformats.org/drawingml/2006/main" xmlns:r="http://schemas.openxmlformats.org/officeDocument/2006/relationships" xmlns:p="http://schemas.openxmlformats.org/presentationml/2006/main">
+  <p:cSld>
+    <p:spTree>
+      <p:nvGrpSpPr>
+        <p:cNvPr id="1" name=""/>
+        <p:cNvGrpSpPr/>
+        <p:nvPr/>
+      </p:nvGrpSpPr>
+      <p:grpSpPr>
+        <a:xfrm>
+          <a:off x="0" y="0"/>
+          <a:ext cx="0" cy="0"/>
+          <a:chOff x="0" y="0"/>
+          <a:chExt cx="0" cy="0"/>
+        </a:xfrm>
+      </p:grpSpPr>
+      <p:sp>
+        <p:nvSpPr>
+          <p:cNvPr id="2" name="1 Título"/>
+          <p:cNvSpPr>
+            <a:spLocks noGrp="1"/>
+          </p:cNvSpPr>
+          <p:nvPr>
+            <p:ph type="title"/>
+          </p:nvPr>
+        </p:nvSpPr>
+        <p:spPr>
+          <a:xfrm>
+            <a:off x="4175787" y="92206"/>
+            <a:ext cx="7776864" cy="1354162"/>
+          </a:xfrm>
+        </p:spPr>
         <p:txBody>
           <a:bodyPr/>
           <a:lstStyle/>
@@ -7304,10 +8979,15 @@
             <p:ph idx="1"/>
           </p:nvPr>
         </p:nvSpPr>
-        <p:spPr/>
+        <p:spPr>
+          <a:xfrm>
+            <a:off x="421105" y="1215189"/>
+            <a:ext cx="11079076" cy="4662084"/>
+          </a:xfrm>
+        </p:spPr>
         <p:txBody>
           <a:bodyPr>
-            <a:normAutofit fontScale="70000" lnSpcReduction="20000"/>
+            <a:normAutofit fontScale="62500" lnSpcReduction="20000"/>
           </a:bodyPr>
           <a:lstStyle/>
           <a:p>
@@ -7357,6 +9037,74 @@
                 <a:latin typeface="Century Gothic" panose="020B0502020202020204" pitchFamily="34" charset="0"/>
               </a:rPr>
               <a:t>  Dafermos, Yannis,  2012. "Liquidity preference, uncertainty, and recession in a stock-flow consistent model," Journal of Post Keynesian Economics, Taylor &amp; Francis Journals, vol. 34(4), pages 749-776.</a:t>
+            </a:r>
+          </a:p>
+          <a:p>
+            <a:pPr marL="0" indent="0" algn="just">
+              <a:buNone/>
+            </a:pPr>
+            <a:endParaRPr lang="es-CO" sz="1800" dirty="0">
+              <a:latin typeface="Century Gothic" panose="020B0502020202020204" pitchFamily="34" charset="0"/>
+            </a:endParaRPr>
+          </a:p>
+          <a:p>
+            <a:pPr marL="0" indent="0" algn="just">
+              <a:buNone/>
+            </a:pPr>
+            <a:r>
+              <a:rPr lang="es-CO" sz="1800" dirty="0">
+                <a:latin typeface="Century Gothic" panose="020B0502020202020204" pitchFamily="34" charset="0"/>
+              </a:rPr>
+              <a:t>Felipe, J., &amp; Kumar, U. (2010). Technical Change in India’s Organized Manufacturing Sector (SSRN Scholarly Paper ID 1691695). Social Science Research Network. https://doi.org/10.2139/ssrn.1691695</a:t>
+            </a:r>
+          </a:p>
+          <a:p>
+            <a:pPr marL="0" indent="0" algn="just">
+              <a:buNone/>
+            </a:pPr>
+            <a:endParaRPr lang="es-CO" sz="1800" dirty="0">
+              <a:latin typeface="Century Gothic" panose="020B0502020202020204" pitchFamily="34" charset="0"/>
+            </a:endParaRPr>
+          </a:p>
+          <a:p>
+            <a:pPr marL="0" indent="0" algn="just">
+              <a:buNone/>
+            </a:pPr>
+            <a:r>
+              <a:rPr lang="es-CO" sz="1800" dirty="0">
+                <a:latin typeface="Century Gothic" panose="020B0502020202020204" pitchFamily="34" charset="0"/>
+              </a:rPr>
+              <a:t>Moreno Rivas, Á. M. (2008, July 4). Las leyes del desarrollo económico endógeno de Kaldor: El caso colombiano. Revista de Economía Institucional. https://revistas.uexternado.edu.co//index.php/ecoins/article/view/70</a:t>
+            </a:r>
+          </a:p>
+          <a:p>
+            <a:pPr marL="0" indent="0" algn="just">
+              <a:buNone/>
+            </a:pPr>
+            <a:r>
+              <a:rPr lang="es-CO" sz="1800" dirty="0">
+                <a:latin typeface="Century Gothic" panose="020B0502020202020204" pitchFamily="34" charset="0"/>
+              </a:rPr>
+              <a:t>Moreno Serna, R., &amp; Pulido, Á. (2012). Tercerización laboral en el sector financiero y evolución salarial en Colombia.</a:t>
+            </a:r>
+          </a:p>
+          <a:p>
+            <a:pPr marL="0" indent="0" algn="just">
+              <a:buNone/>
+            </a:pPr>
+            <a:endParaRPr lang="es-CO" sz="1800" dirty="0">
+              <a:latin typeface="Century Gothic" panose="020B0502020202020204" pitchFamily="34" charset="0"/>
+            </a:endParaRPr>
+          </a:p>
+          <a:p>
+            <a:pPr marL="0" indent="0" algn="just">
+              <a:buNone/>
+            </a:pPr>
+            <a:r>
+              <a:rPr lang="es-CO" sz="1800" dirty="0">
+                <a:latin typeface="Century Gothic" panose="020B0502020202020204" pitchFamily="34" charset="0"/>
+              </a:rPr>
+              <a:t>Ossa, D. (2018). Productividad y distribución del ingreso: Implicaciones sobre el salario mínimo colombiano, 2001-2016 | Revista de Economía Institucional. https://revistas.uexternado.edu.co/index.php/ecoins/article/view/5449</a:t>
             </a:r>
           </a:p>
           <a:p>
@@ -7435,6 +9183,14 @@
               <a:t>Valdecantos, S. (2016).”Estructura productiva y vulnerabilidad externa- un modelo estructuralista stock-flujo consistente”</a:t>
             </a:r>
           </a:p>
+          <a:p>
+            <a:pPr marL="0" indent="0" algn="just">
+              <a:buNone/>
+            </a:pPr>
+            <a:endParaRPr lang="es-CO" sz="1800" dirty="0">
+              <a:latin typeface="Century Gothic" panose="020B0502020202020204" pitchFamily="34" charset="0"/>
+            </a:endParaRPr>
+          </a:p>
         </p:txBody>
       </p:sp>
     </p:spTree>
@@ -7467,8 +9223,8 @@
           <a:chExt cx="0" cy="0"/>
         </a:xfrm>
       </p:grpSpPr>
-      <mc:AlternateContent xmlns:mc="http://schemas.openxmlformats.org/markup-compatibility/2006">
-        <mc:Choice xmlns:a14="http://schemas.microsoft.com/office/drawing/2010/main" Requires="a14">
+      <mc:AlternateContent xmlns:mc="http://schemas.openxmlformats.org/markup-compatibility/2006" xmlns:a14="http://schemas.microsoft.com/office/drawing/2010/main">
+        <mc:Choice Requires="a14">
           <p:sp>
             <p:nvSpPr>
               <p:cNvPr id="2" name="Marcador de contenido 1">
@@ -8400,7 +10156,7 @@
             </p:txBody>
           </p:sp>
         </mc:Choice>
-        <mc:Fallback>
+        <mc:Fallback xmlns="">
           <p:sp>
             <p:nvSpPr>
               <p:cNvPr id="2" name="Marcador de contenido 1">
@@ -9135,8 +10891,8 @@
           <a:chExt cx="0" cy="0"/>
         </a:xfrm>
       </p:grpSpPr>
-      <mc:AlternateContent xmlns:mc="http://schemas.openxmlformats.org/markup-compatibility/2006" xmlns:a14="http://schemas.microsoft.com/office/drawing/2010/main">
-        <mc:Choice Requires="a14">
+      <mc:AlternateContent xmlns:mc="http://schemas.openxmlformats.org/markup-compatibility/2006">
+        <mc:Choice xmlns:a14="http://schemas.microsoft.com/office/drawing/2010/main" Requires="a14">
           <p:sp>
             <p:nvSpPr>
               <p:cNvPr id="2" name="Marcador de contenido 1">
@@ -9161,7 +10917,7 @@
             </p:spPr>
             <p:txBody>
               <a:bodyPr>
-                <a:normAutofit lnSpcReduction="10000"/>
+                <a:normAutofit/>
               </a:bodyPr>
               <a:lstStyle/>
               <a:p>
@@ -10413,7 +12169,7 @@
             </p:txBody>
           </p:sp>
         </mc:Choice>
-        <mc:Fallback xmlns="">
+        <mc:Fallback>
           <p:sp>
             <p:nvSpPr>
               <p:cNvPr id="2" name="Marcador de contenido 1">
@@ -10438,7 +12194,7 @@
               <a:blipFill>
                 <a:blip r:embed="rId2"/>
                 <a:stretch>
-                  <a:fillRect l="-524" t="-1993"/>
+                  <a:fillRect l="-485" t="-1128"/>
                 </a:stretch>
               </a:blipFill>
             </p:spPr>
@@ -11634,8 +13390,8 @@
           <a:chExt cx="0" cy="0"/>
         </a:xfrm>
       </p:grpSpPr>
-      <mc:AlternateContent xmlns:mc="http://schemas.openxmlformats.org/markup-compatibility/2006">
-        <mc:Choice xmlns:a14="http://schemas.microsoft.com/office/drawing/2010/main" Requires="a14">
+      <mc:AlternateContent xmlns:mc="http://schemas.openxmlformats.org/markup-compatibility/2006" xmlns:a14="http://schemas.microsoft.com/office/drawing/2010/main">
+        <mc:Choice Requires="a14">
           <p:sp>
             <p:nvSpPr>
               <p:cNvPr id="2" name="Marcador de contenido 1">
@@ -12907,7 +14663,7 @@
             </p:txBody>
           </p:sp>
         </mc:Choice>
-        <mc:Fallback>
+        <mc:Fallback xmlns="">
           <p:sp>
             <p:nvSpPr>
               <p:cNvPr id="2" name="Marcador de contenido 1">
@@ -14492,8 +16248,8 @@
           <a:chExt cx="0" cy="0"/>
         </a:xfrm>
       </p:grpSpPr>
-      <mc:AlternateContent xmlns:mc="http://schemas.openxmlformats.org/markup-compatibility/2006">
-        <mc:Choice xmlns:a14="http://schemas.microsoft.com/office/drawing/2010/main" Requires="a14">
+      <mc:AlternateContent xmlns:mc="http://schemas.openxmlformats.org/markup-compatibility/2006" xmlns:a14="http://schemas.microsoft.com/office/drawing/2010/main">
+        <mc:Choice Requires="a14">
           <p:sp>
             <p:nvSpPr>
               <p:cNvPr id="2" name="Marcador de contenido 1">
@@ -16709,7 +18465,7 @@
             </p:txBody>
           </p:sp>
         </mc:Choice>
-        <mc:Fallback>
+        <mc:Fallback xmlns="">
           <p:sp>
             <p:nvSpPr>
               <p:cNvPr id="2" name="Marcador de contenido 1">

--- a/Documentos/Presentación 3 de Noviembre de 2020.pptx
+++ b/Documentos/Presentación 3 de Noviembre de 2020.pptx
@@ -211,7 +211,7 @@
           <a:p>
             <a:fld id="{D42B63A8-CA22-F249-8B11-75777F973014}" type="datetimeFigureOut">
               <a:rPr lang="es-ES_tradnl" smtClean="0"/>
-              <a:t>03/11/2020</a:t>
+              <a:t>06/11/2020</a:t>
             </a:fld>
             <a:endParaRPr lang="es-ES_tradnl"/>
           </a:p>
@@ -1582,7 +1582,7 @@
           <a:p>
             <a:fld id="{6C5AE33D-32CE-4125-A2FD-63556E695E13}" type="datetimeFigureOut">
               <a:rPr lang="es-CO" smtClean="0"/>
-              <a:t>3/11/2020</a:t>
+              <a:t>6/11/2020</a:t>
             </a:fld>
             <a:endParaRPr lang="es-CO"/>
           </a:p>
@@ -7467,8 +7467,8 @@
           <a:chExt cx="0" cy="0"/>
         </a:xfrm>
       </p:grpSpPr>
-      <mc:AlternateContent xmlns:mc="http://schemas.openxmlformats.org/markup-compatibility/2006">
-        <mc:Choice xmlns:a14="http://schemas.microsoft.com/office/drawing/2010/main" Requires="a14">
+      <mc:AlternateContent xmlns:mc="http://schemas.openxmlformats.org/markup-compatibility/2006" xmlns:a14="http://schemas.microsoft.com/office/drawing/2010/main">
+        <mc:Choice Requires="a14">
           <p:sp>
             <p:nvSpPr>
               <p:cNvPr id="2" name="Marcador de contenido 1">
@@ -8400,7 +8400,7 @@
             </p:txBody>
           </p:sp>
         </mc:Choice>
-        <mc:Fallback>
+        <mc:Fallback xmlns="">
           <p:sp>
             <p:nvSpPr>
               <p:cNvPr id="2" name="Marcador de contenido 1">
@@ -11634,8 +11634,8 @@
           <a:chExt cx="0" cy="0"/>
         </a:xfrm>
       </p:grpSpPr>
-      <mc:AlternateContent xmlns:mc="http://schemas.openxmlformats.org/markup-compatibility/2006">
-        <mc:Choice xmlns:a14="http://schemas.microsoft.com/office/drawing/2010/main" Requires="a14">
+      <mc:AlternateContent xmlns:mc="http://schemas.openxmlformats.org/markup-compatibility/2006" xmlns:a14="http://schemas.microsoft.com/office/drawing/2010/main">
+        <mc:Choice Requires="a14">
           <p:sp>
             <p:nvSpPr>
               <p:cNvPr id="2" name="Marcador de contenido 1">
@@ -12907,7 +12907,7 @@
             </p:txBody>
           </p:sp>
         </mc:Choice>
-        <mc:Fallback>
+        <mc:Fallback xmlns="">
           <p:sp>
             <p:nvSpPr>
               <p:cNvPr id="2" name="Marcador de contenido 1">
@@ -15703,7 +15703,7 @@
                           <m:ctrlPr>
                             <a:rPr lang="es-CO" sz="1800" i="1" smtClean="0">
                               <a:solidFill>
-                                <a:srgbClr val="FF0000"/>
+                                <a:schemeClr val="tx1"/>
                               </a:solidFill>
                               <a:effectLst/>
                               <a:latin typeface="Cambria Math" panose="02040503050406030204" pitchFamily="18" charset="0"/>
@@ -15716,7 +15716,7 @@
                           <m:r>
                             <a:rPr lang="en-GB" sz="1800" i="1">
                               <a:solidFill>
-                                <a:srgbClr val="FF0000"/>
+                                <a:schemeClr val="tx1"/>
                               </a:solidFill>
                               <a:effectLst/>
                               <a:latin typeface="Cambria Math" panose="02040503050406030204" pitchFamily="18" charset="0"/>
@@ -15730,7 +15730,7 @@
                           <m:r>
                             <a:rPr lang="en-GB" sz="1800" i="1">
                               <a:solidFill>
-                                <a:srgbClr val="FF0000"/>
+                                <a:schemeClr val="tx1"/>
                               </a:solidFill>
                               <a:effectLst/>
                               <a:latin typeface="Cambria Math" panose="02040503050406030204" pitchFamily="18" charset="0"/>
@@ -15744,7 +15744,7 @@
                       <m:r>
                         <a:rPr lang="en-GB" sz="1800" i="1">
                           <a:solidFill>
-                            <a:srgbClr val="FF0000"/>
+                            <a:schemeClr val="tx1"/>
                           </a:solidFill>
                           <a:effectLst/>
                           <a:latin typeface="Cambria Math" panose="02040503050406030204" pitchFamily="18" charset="0"/>
@@ -15758,7 +15758,7 @@
                           <m:ctrlPr>
                             <a:rPr lang="es-CO" sz="1800" i="1">
                               <a:solidFill>
-                                <a:srgbClr val="FF0000"/>
+                                <a:schemeClr val="tx1"/>
                               </a:solidFill>
                               <a:effectLst/>
                               <a:latin typeface="Cambria Math" panose="02040503050406030204" pitchFamily="18" charset="0"/>
@@ -15771,7 +15771,7 @@
                           <m:r>
                             <a:rPr lang="en-GB" sz="1800" i="1">
                               <a:solidFill>
-                                <a:srgbClr val="FF0000"/>
+                                <a:schemeClr val="tx1"/>
                               </a:solidFill>
                               <a:effectLst/>
                               <a:latin typeface="Cambria Math" panose="02040503050406030204" pitchFamily="18" charset="0"/>
@@ -15785,7 +15785,7 @@
                               <m:ctrlPr>
                                 <a:rPr lang="es-CO" sz="1800" i="1">
                                   <a:solidFill>
-                                    <a:srgbClr val="FF0000"/>
+                                    <a:schemeClr val="tx1"/>
                                   </a:solidFill>
                                   <a:effectLst/>
                                   <a:latin typeface="Cambria Math" panose="02040503050406030204" pitchFamily="18" charset="0"/>
@@ -15798,7 +15798,7 @@
                               <m:r>
                                 <a:rPr lang="en-GB" sz="1800" i="1">
                                   <a:solidFill>
-                                    <a:srgbClr val="FF0000"/>
+                                    <a:schemeClr val="tx1"/>
                                   </a:solidFill>
                                   <a:effectLst/>
                                   <a:latin typeface="Cambria Math" panose="02040503050406030204" pitchFamily="18" charset="0"/>
@@ -15812,7 +15812,7 @@
                               <m:r>
                                 <a:rPr lang="en-GB" sz="1800" i="1">
                                   <a:solidFill>
-                                    <a:srgbClr val="FF0000"/>
+                                    <a:schemeClr val="tx1"/>
                                   </a:solidFill>
                                   <a:effectLst/>
                                   <a:latin typeface="Cambria Math" panose="02040503050406030204" pitchFamily="18" charset="0"/>
@@ -15826,7 +15826,7 @@
                               <m:r>
                                 <a:rPr lang="en-GB" sz="1800" i="1">
                                   <a:solidFill>
-                                    <a:srgbClr val="FF0000"/>
+                                    <a:schemeClr val="tx1"/>
                                   </a:solidFill>
                                   <a:effectLst/>
                                   <a:latin typeface="Cambria Math" panose="02040503050406030204" pitchFamily="18" charset="0"/>
@@ -15840,7 +15840,7 @@
                           <m:r>
                             <a:rPr lang="en-GB" sz="1800" i="1">
                               <a:solidFill>
-                                <a:srgbClr val="FF0000"/>
+                                <a:schemeClr val="tx1"/>
                               </a:solidFill>
                               <a:effectLst/>
                               <a:latin typeface="Cambria Math" panose="02040503050406030204" pitchFamily="18" charset="0"/>
@@ -15852,7 +15852,7 @@
                           <m:r>
                             <a:rPr lang="en-GB" sz="1800" i="1">
                               <a:solidFill>
-                                <a:srgbClr val="FF0000"/>
+                                <a:schemeClr val="tx1"/>
                               </a:solidFill>
                               <a:effectLst/>
                               <a:latin typeface="Cambria Math" panose="02040503050406030204" pitchFamily="18" charset="0"/>
@@ -15866,7 +15866,7 @@
                               <m:ctrlPr>
                                 <a:rPr lang="es-CO" sz="1800" i="1">
                                   <a:solidFill>
-                                    <a:srgbClr val="FF0000"/>
+                                    <a:schemeClr val="tx1"/>
                                   </a:solidFill>
                                   <a:effectLst/>
                                   <a:latin typeface="Cambria Math" panose="02040503050406030204" pitchFamily="18" charset="0"/>
@@ -15879,7 +15879,7 @@
                               <m:r>
                                 <a:rPr lang="en-GB" sz="1800" i="1">
                                   <a:solidFill>
-                                    <a:srgbClr val="FF0000"/>
+                                    <a:schemeClr val="tx1"/>
                                   </a:solidFill>
                                   <a:effectLst/>
                                   <a:latin typeface="Cambria Math" panose="02040503050406030204" pitchFamily="18" charset="0"/>
@@ -15893,7 +15893,7 @@
                               <m:r>
                                 <a:rPr lang="en-GB" sz="1800" i="1">
                                   <a:solidFill>
-                                    <a:srgbClr val="FF0000"/>
+                                    <a:schemeClr val="tx1"/>
                                   </a:solidFill>
                                   <a:effectLst/>
                                   <a:latin typeface="Cambria Math" panose="02040503050406030204" pitchFamily="18" charset="0"/>
@@ -15907,7 +15907,7 @@
                               <m:r>
                                 <a:rPr lang="en-GB" sz="1800" i="1">
                                   <a:solidFill>
-                                    <a:srgbClr val="FF0000"/>
+                                    <a:schemeClr val="tx1"/>
                                   </a:solidFill>
                                   <a:effectLst/>
                                   <a:latin typeface="Cambria Math" panose="02040503050406030204" pitchFamily="18" charset="0"/>
@@ -15923,7 +15923,7 @@
                       <m:r>
                         <a:rPr lang="en-GB" sz="1800" i="1">
                           <a:solidFill>
-                            <a:srgbClr val="FF0000"/>
+                            <a:schemeClr val="tx1"/>
                           </a:solidFill>
                           <a:effectLst/>
                           <a:latin typeface="Cambria Math" panose="02040503050406030204" pitchFamily="18" charset="0"/>
@@ -15935,7 +15935,7 @@
                       <m:r>
                         <a:rPr lang="en-GB" sz="1800" i="1">
                           <a:solidFill>
-                            <a:srgbClr val="FF0000"/>
+                            <a:schemeClr val="tx1"/>
                           </a:solidFill>
                           <a:latin typeface="Cambria Math" panose="02040503050406030204" pitchFamily="18" charset="0"/>
                           <a:ea typeface="Times New Roman" panose="02020603050405020304" pitchFamily="18" charset="0"/>
@@ -15946,7 +15946,7 @@
                       <m:r>
                         <a:rPr lang="es-CO" sz="1800" b="0" i="1" smtClean="0">
                           <a:solidFill>
-                            <a:srgbClr val="FF0000"/>
+                            <a:schemeClr val="tx1"/>
                           </a:solidFill>
                           <a:latin typeface="Cambria Math" panose="02040503050406030204" pitchFamily="18" charset="0"/>
                           <a:ea typeface="Times New Roman" panose="02020603050405020304" pitchFamily="18" charset="0"/>
@@ -15959,7 +15959,7 @@
                           <m:ctrlPr>
                             <a:rPr lang="es-CO" sz="1800" i="1">
                               <a:solidFill>
-                                <a:srgbClr val="FF0000"/>
+                                <a:schemeClr val="tx1"/>
                               </a:solidFill>
                               <a:latin typeface="Cambria Math" panose="02040503050406030204" pitchFamily="18" charset="0"/>
                               <a:ea typeface="Cambria Math" panose="02040503050406030204" pitchFamily="18" charset="0"/>
@@ -15971,7 +15971,7 @@
                           <m:r>
                             <a:rPr lang="es-CO" sz="1800" i="1">
                               <a:solidFill>
-                                <a:srgbClr val="FF0000"/>
+                                <a:schemeClr val="tx1"/>
                               </a:solidFill>
                               <a:latin typeface="Cambria Math" panose="02040503050406030204" pitchFamily="18" charset="0"/>
                               <a:ea typeface="Cambria Math" panose="02040503050406030204" pitchFamily="18" charset="0"/>
@@ -15984,7 +15984,7 @@
                           <m:r>
                             <a:rPr lang="es-CO" sz="1800" i="1">
                               <a:solidFill>
-                                <a:srgbClr val="FF0000"/>
+                                <a:schemeClr val="tx1"/>
                               </a:solidFill>
                               <a:latin typeface="Cambria Math" panose="02040503050406030204" pitchFamily="18" charset="0"/>
                               <a:ea typeface="Cambria Math" panose="02040503050406030204" pitchFamily="18" charset="0"/>
@@ -15997,7 +15997,7 @@
                           <m:r>
                             <a:rPr lang="es-CO" sz="1800" i="1">
                               <a:solidFill>
-                                <a:srgbClr val="FF0000"/>
+                                <a:schemeClr val="tx1"/>
                               </a:solidFill>
                               <a:latin typeface="Cambria Math" panose="02040503050406030204" pitchFamily="18" charset="0"/>
                               <a:ea typeface="Cambria Math" panose="02040503050406030204" pitchFamily="18" charset="0"/>
@@ -16010,7 +16010,7 @@
                       <m:r>
                         <a:rPr lang="en-GB" sz="1800" i="1">
                           <a:solidFill>
-                            <a:srgbClr val="FF0000"/>
+                            <a:schemeClr val="tx1"/>
                           </a:solidFill>
                           <a:latin typeface="Cambria Math" panose="02040503050406030204" pitchFamily="18" charset="0"/>
                           <a:ea typeface="Times New Roman" panose="02020603050405020304" pitchFamily="18" charset="0"/>
@@ -16023,7 +16023,7 @@
                           <m:ctrlPr>
                             <a:rPr lang="es-CO" sz="1800" i="1">
                               <a:solidFill>
-                                <a:srgbClr val="FF0000"/>
+                                <a:schemeClr val="tx1"/>
                               </a:solidFill>
                               <a:effectLst/>
                               <a:latin typeface="Cambria Math" panose="02040503050406030204" pitchFamily="18" charset="0"/>
@@ -16036,7 +16036,7 @@
                           <m:r>
                             <a:rPr lang="en-GB" sz="1800" i="1">
                               <a:solidFill>
-                                <a:srgbClr val="FF0000"/>
+                                <a:schemeClr val="tx1"/>
                               </a:solidFill>
                               <a:effectLst/>
                               <a:latin typeface="Cambria Math" panose="02040503050406030204" pitchFamily="18" charset="0"/>
@@ -16050,7 +16050,7 @@
                           <m:r>
                             <a:rPr lang="en-GB" sz="1800" i="1">
                               <a:solidFill>
-                                <a:srgbClr val="FF0000"/>
+                                <a:schemeClr val="tx1"/>
                               </a:solidFill>
                               <a:effectLst/>
                               <a:latin typeface="Cambria Math" panose="02040503050406030204" pitchFamily="18" charset="0"/>
@@ -16064,7 +16064,7 @@
                       <m:r>
                         <a:rPr lang="en-GB" sz="1800" i="1">
                           <a:solidFill>
-                            <a:srgbClr val="FF0000"/>
+                            <a:schemeClr val="tx1"/>
                           </a:solidFill>
                           <a:effectLst/>
                           <a:latin typeface="Cambria Math" panose="02040503050406030204" pitchFamily="18" charset="0"/>
@@ -16078,7 +16078,7 @@
                           <m:ctrlPr>
                             <a:rPr lang="es-CO" sz="1800" i="1">
                               <a:solidFill>
-                                <a:srgbClr val="FF0000"/>
+                                <a:schemeClr val="tx1"/>
                               </a:solidFill>
                               <a:effectLst/>
                               <a:latin typeface="Cambria Math" panose="02040503050406030204" pitchFamily="18" charset="0"/>
@@ -16094,7 +16094,7 @@
                               <m:ctrlPr>
                                 <a:rPr lang="es-CO" sz="1800" i="1">
                                   <a:solidFill>
-                                    <a:srgbClr val="FF0000"/>
+                                    <a:schemeClr val="tx1"/>
                                   </a:solidFill>
                                   <a:effectLst/>
                                   <a:latin typeface="Cambria Math" panose="02040503050406030204" pitchFamily="18" charset="0"/>
@@ -16107,7 +16107,7 @@
                               <m:r>
                                 <a:rPr lang="es-CO" sz="1800" i="1">
                                   <a:solidFill>
-                                    <a:srgbClr val="FF0000"/>
+                                    <a:schemeClr val="tx1"/>
                                   </a:solidFill>
                                   <a:effectLst/>
                                   <a:latin typeface="Cambria Math" panose="02040503050406030204" pitchFamily="18" charset="0"/>
@@ -16123,7 +16123,7 @@
                           <m:r>
                             <a:rPr lang="es-CO" sz="1800" i="1">
                               <a:solidFill>
-                                <a:srgbClr val="FF0000"/>
+                                <a:schemeClr val="tx1"/>
                               </a:solidFill>
                               <a:effectLst/>
                               <a:latin typeface="Cambria Math" panose="02040503050406030204" pitchFamily="18" charset="0"/>
@@ -16137,7 +16137,7 @@
                           <m:r>
                             <a:rPr lang="es-CO" sz="1800" i="1">
                               <a:solidFill>
-                                <a:srgbClr val="FF0000"/>
+                                <a:schemeClr val="tx1"/>
                               </a:solidFill>
                               <a:effectLst/>
                               <a:latin typeface="Cambria Math" panose="02040503050406030204" pitchFamily="18" charset="0"/>
@@ -16153,7 +16153,7 @@
                 </a14:m>
                 <a:endParaRPr lang="en-GB" sz="2000" dirty="0">
                   <a:solidFill>
-                    <a:srgbClr val="FF0000"/>
+                    <a:schemeClr val="tx1"/>
                   </a:solidFill>
                   <a:latin typeface="Century Gothic" panose="020B0502020202020204" pitchFamily="34" charset="0"/>
                   <a:ea typeface="Calibri" panose="020F0502020204030204" pitchFamily="34" charset="0"/>
@@ -16163,494 +16163,16 @@
               <a:p>
                 <a:pPr algn="just"/>
                 <a:r>
-                  <a:rPr lang="en-GB" sz="2000" dirty="0">
+                  <a:rPr lang="es-CO" sz="1800" dirty="0">
                     <a:latin typeface="Century Gothic" panose="020B0502020202020204" pitchFamily="34" charset="0"/>
                     <a:ea typeface="Calibri" panose="020F0502020204030204" pitchFamily="34" charset="0"/>
                     <a:cs typeface="Times New Roman" panose="02020603050405020304" pitchFamily="18" charset="0"/>
                   </a:rPr>
-                  <a:t>Total financial needs of the firms. </a:t>
+                  <a:t>How the firms are affected?</a:t>
                 </a:r>
-              </a:p>
-              <a:p>
-                <a:pPr marL="0" indent="0">
-                  <a:buNone/>
-                </a:pPr>
-                <a14:m>
-                  <m:oMathPara xmlns:m="http://schemas.openxmlformats.org/officeDocument/2006/math">
-                    <m:oMathParaPr>
-                      <m:jc m:val="centerGroup"/>
-                    </m:oMathParaPr>
-                    <m:oMath xmlns:m="http://schemas.openxmlformats.org/officeDocument/2006/math">
-                      <m:r>
-                        <a:rPr lang="en-GB" sz="1800" i="1" smtClean="0">
-                          <a:solidFill>
-                            <a:srgbClr val="FF0000"/>
-                          </a:solidFill>
-                          <a:effectLst/>
-                          <a:latin typeface="Cambria Math" panose="02040503050406030204" pitchFamily="18" charset="0"/>
-                          <a:ea typeface="Times New Roman" panose="02020603050405020304" pitchFamily="18" charset="0"/>
-                          <a:cs typeface="Times New Roman" panose="02020603050405020304" pitchFamily="18" charset="0"/>
-                        </a:rPr>
-                        <m:t>𝑇𝐹</m:t>
-                      </m:r>
-                      <m:sSub>
-                        <m:sSubPr>
-                          <m:ctrlPr>
-                            <a:rPr lang="es-CO" sz="1800" i="1">
-                              <a:solidFill>
-                                <a:srgbClr val="FF0000"/>
-                              </a:solidFill>
-                              <a:effectLst/>
-                              <a:latin typeface="Cambria Math" panose="02040503050406030204" pitchFamily="18" charset="0"/>
-                              <a:ea typeface="Times New Roman" panose="02020603050405020304" pitchFamily="18" charset="0"/>
-                              <a:cs typeface="Times New Roman" panose="02020603050405020304" pitchFamily="18" charset="0"/>
-                            </a:rPr>
-                          </m:ctrlPr>
-                        </m:sSubPr>
-                        <m:e>
-                          <m:r>
-                            <a:rPr lang="en-GB" sz="1800" i="1">
-                              <a:solidFill>
-                                <a:srgbClr val="FF0000"/>
-                              </a:solidFill>
-                              <a:effectLst/>
-                              <a:latin typeface="Cambria Math" panose="02040503050406030204" pitchFamily="18" charset="0"/>
-                              <a:ea typeface="Times New Roman" panose="02020603050405020304" pitchFamily="18" charset="0"/>
-                              <a:cs typeface="Times New Roman" panose="02020603050405020304" pitchFamily="18" charset="0"/>
-                            </a:rPr>
-                            <m:t>𝑁</m:t>
-                          </m:r>
-                        </m:e>
-                        <m:sub>
-                          <m:r>
-                            <a:rPr lang="en-GB" sz="1800" i="1">
-                              <a:solidFill>
-                                <a:srgbClr val="FF0000"/>
-                              </a:solidFill>
-                              <a:effectLst/>
-                              <a:latin typeface="Cambria Math" panose="02040503050406030204" pitchFamily="18" charset="0"/>
-                              <a:ea typeface="Times New Roman" panose="02020603050405020304" pitchFamily="18" charset="0"/>
-                              <a:cs typeface="Times New Roman" panose="02020603050405020304" pitchFamily="18" charset="0"/>
-                            </a:rPr>
-                            <m:t>𝐹</m:t>
-                          </m:r>
-                        </m:sub>
-                      </m:sSub>
-                      <m:r>
-                        <a:rPr lang="en-GB" sz="1800" i="1">
-                          <a:solidFill>
-                            <a:srgbClr val="FF0000"/>
-                          </a:solidFill>
-                          <a:effectLst/>
-                          <a:latin typeface="Cambria Math" panose="02040503050406030204" pitchFamily="18" charset="0"/>
-                          <a:ea typeface="Times New Roman" panose="02020603050405020304" pitchFamily="18" charset="0"/>
-                          <a:cs typeface="Times New Roman" panose="02020603050405020304" pitchFamily="18" charset="0"/>
-                        </a:rPr>
-                        <m:t>=</m:t>
-                      </m:r>
-                      <m:r>
-                        <a:rPr lang="en-GB" sz="1800" i="1">
-                          <a:solidFill>
-                            <a:srgbClr val="FF0000"/>
-                          </a:solidFill>
-                          <a:latin typeface="Cambria Math" panose="02040503050406030204" pitchFamily="18" charset="0"/>
-                          <a:ea typeface="Times New Roman" panose="02020603050405020304" pitchFamily="18" charset="0"/>
-                          <a:cs typeface="Times New Roman" panose="02020603050405020304" pitchFamily="18" charset="0"/>
-                        </a:rPr>
-                        <m:t>(</m:t>
-                      </m:r>
-                      <m:r>
-                        <a:rPr lang="es-CO" sz="1800" i="1">
-                          <a:solidFill>
-                            <a:srgbClr val="FF0000"/>
-                          </a:solidFill>
-                          <a:latin typeface="Cambria Math" panose="02040503050406030204" pitchFamily="18" charset="0"/>
-                          <a:ea typeface="Times New Roman" panose="02020603050405020304" pitchFamily="18" charset="0"/>
-                          <a:cs typeface="Times New Roman" panose="02020603050405020304" pitchFamily="18" charset="0"/>
-                        </a:rPr>
-                        <m:t>1+</m:t>
-                      </m:r>
-                      <m:sSubSup>
-                        <m:sSubSupPr>
-                          <m:ctrlPr>
-                            <a:rPr lang="es-CO" sz="1800" i="1">
-                              <a:solidFill>
-                                <a:srgbClr val="FF0000"/>
-                              </a:solidFill>
-                              <a:latin typeface="Cambria Math" panose="02040503050406030204" pitchFamily="18" charset="0"/>
-                              <a:ea typeface="Cambria Math" panose="02040503050406030204" pitchFamily="18" charset="0"/>
-                              <a:cs typeface="Times New Roman" panose="02020603050405020304" pitchFamily="18" charset="0"/>
-                            </a:rPr>
-                          </m:ctrlPr>
-                        </m:sSubSupPr>
-                        <m:e>
-                          <m:r>
-                            <a:rPr lang="es-CO" sz="1800" i="1">
-                              <a:solidFill>
-                                <a:srgbClr val="FF0000"/>
-                              </a:solidFill>
-                              <a:latin typeface="Cambria Math" panose="02040503050406030204" pitchFamily="18" charset="0"/>
-                              <a:ea typeface="Cambria Math" panose="02040503050406030204" pitchFamily="18" charset="0"/>
-                              <a:cs typeface="Times New Roman" panose="02020603050405020304" pitchFamily="18" charset="0"/>
-                            </a:rPr>
-                            <m:t>𝜏</m:t>
-                          </m:r>
-                        </m:e>
-                        <m:sub>
-                          <m:r>
-                            <a:rPr lang="es-CO" sz="1800" b="0" i="1" smtClean="0">
-                              <a:solidFill>
-                                <a:srgbClr val="FF0000"/>
-                              </a:solidFill>
-                              <a:latin typeface="Cambria Math" panose="02040503050406030204" pitchFamily="18" charset="0"/>
-                              <a:ea typeface="Cambria Math" panose="02040503050406030204" pitchFamily="18" charset="0"/>
-                              <a:cs typeface="Times New Roman" panose="02020603050405020304" pitchFamily="18" charset="0"/>
-                            </a:rPr>
-                            <m:t>𝐼</m:t>
-                          </m:r>
-                        </m:sub>
-                        <m:sup>
-                          <m:r>
-                            <a:rPr lang="es-CO" sz="1800" i="1">
-                              <a:solidFill>
-                                <a:srgbClr val="FF0000"/>
-                              </a:solidFill>
-                              <a:latin typeface="Cambria Math" panose="02040503050406030204" pitchFamily="18" charset="0"/>
-                              <a:ea typeface="Cambria Math" panose="02040503050406030204" pitchFamily="18" charset="0"/>
-                              <a:cs typeface="Times New Roman" panose="02020603050405020304" pitchFamily="18" charset="0"/>
-                            </a:rPr>
-                            <m:t>𝐴</m:t>
-                          </m:r>
-                        </m:sup>
-                      </m:sSubSup>
-                      <m:r>
-                        <a:rPr lang="en-GB" sz="1800" i="1">
-                          <a:solidFill>
-                            <a:srgbClr val="FF0000"/>
-                          </a:solidFill>
-                          <a:latin typeface="Cambria Math" panose="02040503050406030204" pitchFamily="18" charset="0"/>
-                          <a:ea typeface="Times New Roman" panose="02020603050405020304" pitchFamily="18" charset="0"/>
-                          <a:cs typeface="Times New Roman" panose="02020603050405020304" pitchFamily="18" charset="0"/>
-                        </a:rPr>
-                        <m:t>)</m:t>
-                      </m:r>
-                      <m:r>
-                        <a:rPr lang="en-GB" sz="1800" i="1">
-                          <a:solidFill>
-                            <a:srgbClr val="FF0000"/>
-                          </a:solidFill>
-                          <a:effectLst/>
-                          <a:latin typeface="Cambria Math" panose="02040503050406030204" pitchFamily="18" charset="0"/>
-                          <a:ea typeface="Times New Roman" panose="02020603050405020304" pitchFamily="18" charset="0"/>
-                          <a:cs typeface="Times New Roman" panose="02020603050405020304" pitchFamily="18" charset="0"/>
-                        </a:rPr>
-                        <m:t>𝑝</m:t>
-                      </m:r>
-                      <m:r>
-                        <a:rPr lang="en-GB" sz="1800" i="1">
-                          <a:solidFill>
-                            <a:srgbClr val="FF0000"/>
-                          </a:solidFill>
-                          <a:effectLst/>
-                          <a:latin typeface="Cambria Math" panose="02040503050406030204" pitchFamily="18" charset="0"/>
-                          <a:ea typeface="Calibri" panose="020F0502020204030204" pitchFamily="34" charset="0"/>
-                          <a:cs typeface="Times New Roman" panose="02020603050405020304" pitchFamily="18" charset="0"/>
-                        </a:rPr>
-                        <m:t>⋅</m:t>
-                      </m:r>
-                      <m:sSup>
-                        <m:sSupPr>
-                          <m:ctrlPr>
-                            <a:rPr lang="es-CO" sz="1800" i="1">
-                              <a:solidFill>
-                                <a:srgbClr val="FF0000"/>
-                              </a:solidFill>
-                              <a:effectLst/>
-                              <a:latin typeface="Cambria Math" panose="02040503050406030204" pitchFamily="18" charset="0"/>
-                              <a:ea typeface="Calibri" panose="020F0502020204030204" pitchFamily="34" charset="0"/>
-                              <a:cs typeface="Times New Roman" panose="02020603050405020304" pitchFamily="18" charset="0"/>
-                            </a:rPr>
-                          </m:ctrlPr>
-                        </m:sSupPr>
-                        <m:e>
-                          <m:r>
-                            <a:rPr lang="en-GB" sz="1800" i="1">
-                              <a:solidFill>
-                                <a:srgbClr val="FF0000"/>
-                              </a:solidFill>
-                              <a:effectLst/>
-                              <a:latin typeface="Cambria Math" panose="02040503050406030204" pitchFamily="18" charset="0"/>
-                              <a:ea typeface="Calibri" panose="020F0502020204030204" pitchFamily="34" charset="0"/>
-                              <a:cs typeface="Times New Roman" panose="02020603050405020304" pitchFamily="18" charset="0"/>
-                            </a:rPr>
-                            <m:t>𝐼</m:t>
-                          </m:r>
-                        </m:e>
-                        <m:sup>
-                          <m:r>
-                            <a:rPr lang="en-GB" sz="1800" i="1">
-                              <a:solidFill>
-                                <a:srgbClr val="FF0000"/>
-                              </a:solidFill>
-                              <a:effectLst/>
-                              <a:latin typeface="Cambria Math" panose="02040503050406030204" pitchFamily="18" charset="0"/>
-                              <a:ea typeface="Calibri" panose="020F0502020204030204" pitchFamily="34" charset="0"/>
-                              <a:cs typeface="Times New Roman" panose="02020603050405020304" pitchFamily="18" charset="0"/>
-                            </a:rPr>
-                            <m:t>𝐾</m:t>
-                          </m:r>
-                        </m:sup>
-                      </m:sSup>
-                      <m:r>
-                        <a:rPr lang="en-GB" sz="1800" i="1">
-                          <a:solidFill>
-                            <a:srgbClr val="FF0000"/>
-                          </a:solidFill>
-                          <a:effectLst/>
-                          <a:latin typeface="Cambria Math" panose="02040503050406030204" pitchFamily="18" charset="0"/>
-                          <a:ea typeface="Calibri" panose="020F0502020204030204" pitchFamily="34" charset="0"/>
-                          <a:cs typeface="Times New Roman" panose="02020603050405020304" pitchFamily="18" charset="0"/>
-                        </a:rPr>
-                        <m:t>−</m:t>
-                      </m:r>
-                      <m:r>
-                        <a:rPr lang="en-GB" sz="1800" i="1">
-                          <a:solidFill>
-                            <a:srgbClr val="FF0000"/>
-                          </a:solidFill>
-                          <a:effectLst/>
-                          <a:latin typeface="Cambria Math" panose="02040503050406030204" pitchFamily="18" charset="0"/>
-                          <a:ea typeface="Calibri" panose="020F0502020204030204" pitchFamily="34" charset="0"/>
-                          <a:cs typeface="Times New Roman" panose="02020603050405020304" pitchFamily="18" charset="0"/>
-                        </a:rPr>
-                        <m:t>𝑅</m:t>
-                      </m:r>
-                      <m:sSub>
-                        <m:sSubPr>
-                          <m:ctrlPr>
-                            <a:rPr lang="es-CO" sz="1800" i="1">
-                              <a:solidFill>
-                                <a:srgbClr val="FF0000"/>
-                              </a:solidFill>
-                              <a:effectLst/>
-                              <a:latin typeface="Cambria Math" panose="02040503050406030204" pitchFamily="18" charset="0"/>
-                              <a:ea typeface="Calibri" panose="020F0502020204030204" pitchFamily="34" charset="0"/>
-                              <a:cs typeface="Times New Roman" panose="02020603050405020304" pitchFamily="18" charset="0"/>
-                            </a:rPr>
-                          </m:ctrlPr>
-                        </m:sSubPr>
-                        <m:e>
-                          <m:r>
-                            <a:rPr lang="en-GB" sz="1800" i="1">
-                              <a:solidFill>
-                                <a:srgbClr val="FF0000"/>
-                              </a:solidFill>
-                              <a:effectLst/>
-                              <a:latin typeface="Cambria Math" panose="02040503050406030204" pitchFamily="18" charset="0"/>
-                              <a:ea typeface="Calibri" panose="020F0502020204030204" pitchFamily="34" charset="0"/>
-                              <a:cs typeface="Times New Roman" panose="02020603050405020304" pitchFamily="18" charset="0"/>
-                            </a:rPr>
-                            <m:t>𝐸</m:t>
-                          </m:r>
-                        </m:e>
-                        <m:sub>
-                          <m:r>
-                            <a:rPr lang="en-GB" sz="1800" i="1">
-                              <a:solidFill>
-                                <a:srgbClr val="FF0000"/>
-                              </a:solidFill>
-                              <a:effectLst/>
-                              <a:latin typeface="Cambria Math" panose="02040503050406030204" pitchFamily="18" charset="0"/>
-                              <a:ea typeface="Calibri" panose="020F0502020204030204" pitchFamily="34" charset="0"/>
-                              <a:cs typeface="Times New Roman" panose="02020603050405020304" pitchFamily="18" charset="0"/>
-                            </a:rPr>
-                            <m:t>𝐹</m:t>
-                          </m:r>
-                        </m:sub>
-                      </m:sSub>
-                      <m:r>
-                        <a:rPr lang="en-GB" sz="1800" i="1">
-                          <a:solidFill>
-                            <a:srgbClr val="FF0000"/>
-                          </a:solidFill>
-                          <a:effectLst/>
-                          <a:latin typeface="Cambria Math" panose="02040503050406030204" pitchFamily="18" charset="0"/>
-                          <a:ea typeface="Calibri" panose="020F0502020204030204" pitchFamily="34" charset="0"/>
-                          <a:cs typeface="Times New Roman" panose="02020603050405020304" pitchFamily="18" charset="0"/>
-                        </a:rPr>
-                        <m:t>− </m:t>
-                      </m:r>
-                      <m:sSub>
-                        <m:sSubPr>
-                          <m:ctrlPr>
-                            <a:rPr lang="es-CO" sz="1800" i="1">
-                              <a:solidFill>
-                                <a:srgbClr val="FF0000"/>
-                              </a:solidFill>
-                              <a:effectLst/>
-                              <a:latin typeface="Cambria Math" panose="02040503050406030204" pitchFamily="18" charset="0"/>
-                              <a:ea typeface="Calibri" panose="020F0502020204030204" pitchFamily="34" charset="0"/>
-                              <a:cs typeface="Times New Roman" panose="02020603050405020304" pitchFamily="18" charset="0"/>
-                            </a:rPr>
-                          </m:ctrlPr>
-                        </m:sSubPr>
-                        <m:e>
-                          <m:r>
-                            <a:rPr lang="en-GB" sz="1800" i="1">
-                              <a:solidFill>
-                                <a:srgbClr val="FF0000"/>
-                              </a:solidFill>
-                              <a:effectLst/>
-                              <a:latin typeface="Cambria Math" panose="02040503050406030204" pitchFamily="18" charset="0"/>
-                              <a:ea typeface="Calibri" panose="020F0502020204030204" pitchFamily="34" charset="0"/>
-                              <a:cs typeface="Times New Roman" panose="02020603050405020304" pitchFamily="18" charset="0"/>
-                            </a:rPr>
-                            <m:t>𝜉</m:t>
-                          </m:r>
-                        </m:e>
-                        <m:sub>
-                          <m:r>
-                            <a:rPr lang="en-GB" sz="1800" i="1">
-                              <a:solidFill>
-                                <a:srgbClr val="FF0000"/>
-                              </a:solidFill>
-                              <a:effectLst/>
-                              <a:latin typeface="Cambria Math" panose="02040503050406030204" pitchFamily="18" charset="0"/>
-                              <a:ea typeface="Calibri" panose="020F0502020204030204" pitchFamily="34" charset="0"/>
-                              <a:cs typeface="Times New Roman" panose="02020603050405020304" pitchFamily="18" charset="0"/>
-                            </a:rPr>
-                            <m:t>𝐹</m:t>
-                          </m:r>
-                        </m:sub>
-                      </m:sSub>
-                      <m:r>
-                        <a:rPr lang="en-GB" sz="1800" i="1">
-                          <a:solidFill>
-                            <a:srgbClr val="FF0000"/>
-                          </a:solidFill>
-                          <a:effectLst/>
-                          <a:latin typeface="Cambria Math" panose="02040503050406030204" pitchFamily="18" charset="0"/>
-                          <a:ea typeface="Calibri" panose="020F0502020204030204" pitchFamily="34" charset="0"/>
-                          <a:cs typeface="Times New Roman" panose="02020603050405020304" pitchFamily="18" charset="0"/>
-                        </a:rPr>
-                        <m:t>⋅</m:t>
-                      </m:r>
-                      <m:r>
-                        <a:rPr lang="en-GB" sz="1800" i="1">
-                          <a:solidFill>
-                            <a:srgbClr val="FF0000"/>
-                          </a:solidFill>
-                          <a:effectLst/>
-                          <a:latin typeface="Cambria Math" panose="02040503050406030204" pitchFamily="18" charset="0"/>
-                          <a:ea typeface="Calibri" panose="020F0502020204030204" pitchFamily="34" charset="0"/>
-                          <a:cs typeface="Times New Roman" panose="02020603050405020304" pitchFamily="18" charset="0"/>
-                        </a:rPr>
-                        <m:t>𝐹𝐷</m:t>
-                      </m:r>
-                      <m:sSup>
-                        <m:sSupPr>
-                          <m:ctrlPr>
-                            <a:rPr lang="es-CO" sz="1800" i="1">
-                              <a:solidFill>
-                                <a:srgbClr val="FF0000"/>
-                              </a:solidFill>
-                              <a:effectLst/>
-                              <a:latin typeface="Cambria Math" panose="02040503050406030204" pitchFamily="18" charset="0"/>
-                              <a:ea typeface="Calibri" panose="020F0502020204030204" pitchFamily="34" charset="0"/>
-                              <a:cs typeface="Times New Roman" panose="02020603050405020304" pitchFamily="18" charset="0"/>
-                            </a:rPr>
-                          </m:ctrlPr>
-                        </m:sSupPr>
-                        <m:e>
-                          <m:r>
-                            <a:rPr lang="en-GB" sz="1800" i="1">
-                              <a:solidFill>
-                                <a:srgbClr val="FF0000"/>
-                              </a:solidFill>
-                              <a:effectLst/>
-                              <a:latin typeface="Cambria Math" panose="02040503050406030204" pitchFamily="18" charset="0"/>
-                              <a:ea typeface="Calibri" panose="020F0502020204030204" pitchFamily="34" charset="0"/>
-                              <a:cs typeface="Times New Roman" panose="02020603050405020304" pitchFamily="18" charset="0"/>
-                            </a:rPr>
-                            <m:t>𝐼</m:t>
-                          </m:r>
-                        </m:e>
-                        <m:sup>
-                          <m:r>
-                            <a:rPr lang="en-GB" sz="1800" i="1">
-                              <a:solidFill>
-                                <a:srgbClr val="FF0000"/>
-                              </a:solidFill>
-                              <a:effectLst/>
-                              <a:latin typeface="Cambria Math" panose="02040503050406030204" pitchFamily="18" charset="0"/>
-                              <a:ea typeface="Calibri" panose="020F0502020204030204" pitchFamily="34" charset="0"/>
-                              <a:cs typeface="Times New Roman" panose="02020603050405020304" pitchFamily="18" charset="0"/>
-                            </a:rPr>
-                            <m:t>𝑃</m:t>
-                          </m:r>
-                        </m:sup>
-                      </m:sSup>
-                      <m:r>
-                        <a:rPr lang="en-GB" sz="1800" i="1">
-                          <a:solidFill>
-                            <a:srgbClr val="FF0000"/>
-                          </a:solidFill>
-                          <a:effectLst/>
-                          <a:latin typeface="Cambria Math" panose="02040503050406030204" pitchFamily="18" charset="0"/>
-                          <a:ea typeface="Calibri" panose="020F0502020204030204" pitchFamily="34" charset="0"/>
-                          <a:cs typeface="Times New Roman" panose="02020603050405020304" pitchFamily="18" charset="0"/>
-                        </a:rPr>
-                        <m:t>⋅</m:t>
-                      </m:r>
-                      <m:sSup>
-                        <m:sSupPr>
-                          <m:ctrlPr>
-                            <a:rPr lang="es-CO" sz="1800" i="1">
-                              <a:solidFill>
-                                <a:srgbClr val="FF0000"/>
-                              </a:solidFill>
-                              <a:effectLst/>
-                              <a:latin typeface="Cambria Math" panose="02040503050406030204" pitchFamily="18" charset="0"/>
-                              <a:ea typeface="Calibri" panose="020F0502020204030204" pitchFamily="34" charset="0"/>
-                              <a:cs typeface="Times New Roman" panose="02020603050405020304" pitchFamily="18" charset="0"/>
-                            </a:rPr>
-                          </m:ctrlPr>
-                        </m:sSupPr>
-                        <m:e>
-                          <m:r>
-                            <a:rPr lang="en-GB" sz="1800" i="1">
-                              <a:solidFill>
-                                <a:srgbClr val="FF0000"/>
-                              </a:solidFill>
-                              <a:effectLst/>
-                              <a:latin typeface="Cambria Math" panose="02040503050406030204" pitchFamily="18" charset="0"/>
-                              <a:ea typeface="Calibri" panose="020F0502020204030204" pitchFamily="34" charset="0"/>
-                              <a:cs typeface="Times New Roman" panose="02020603050405020304" pitchFamily="18" charset="0"/>
-                            </a:rPr>
-                            <m:t>𝑒</m:t>
-                          </m:r>
-                        </m:e>
-                        <m:sup>
-                          <m:r>
-                            <a:rPr lang="en-GB" sz="1800" i="1">
-                              <a:solidFill>
-                                <a:srgbClr val="FF0000"/>
-                              </a:solidFill>
-                              <a:effectLst/>
-                              <a:latin typeface="Cambria Math" panose="02040503050406030204" pitchFamily="18" charset="0"/>
-                              <a:ea typeface="Calibri" panose="020F0502020204030204" pitchFamily="34" charset="0"/>
-                              <a:cs typeface="Times New Roman" panose="02020603050405020304" pitchFamily="18" charset="0"/>
-                            </a:rPr>
-                            <m:t>𝑁</m:t>
-                          </m:r>
-                        </m:sup>
-                      </m:sSup>
-                    </m:oMath>
-                  </m:oMathPara>
-                </a14:m>
                 <a:endParaRPr lang="es-CO" sz="1800" dirty="0">
                   <a:effectLst/>
-                  <a:latin typeface="Calibri" panose="020F0502020204030204" pitchFamily="34" charset="0"/>
+                  <a:latin typeface="Century Gothic" panose="020B0502020202020204" pitchFamily="34" charset="0"/>
                   <a:ea typeface="Calibri" panose="020F0502020204030204" pitchFamily="34" charset="0"/>
                   <a:cs typeface="Times New Roman" panose="02020603050405020304" pitchFamily="18" charset="0"/>
                 </a:endParaRPr>

--- a/Documentos/Presentación 3 de Noviembre de 2020.pptx
+++ b/Documentos/Presentación 3 de Noviembre de 2020.pptx
@@ -214,7 +214,7 @@
           <a:p>
             <a:fld id="{D42B63A8-CA22-F249-8B11-75777F973014}" type="datetimeFigureOut">
               <a:rPr lang="es-ES_tradnl" smtClean="0"/>
-              <a:t>6/11/20</a:t>
+              <a:t>06/11/2020</a:t>
             </a:fld>
             <a:endParaRPr lang="es-ES_tradnl"/>
           </a:p>
@@ -1585,7 +1585,7 @@
           <a:p>
             <a:fld id="{6C5AE33D-32CE-4125-A2FD-63556E695E13}" type="datetimeFigureOut">
               <a:rPr lang="es-CO" smtClean="0"/>
-              <a:t>6/11/20</a:t>
+              <a:t>6/11/2020</a:t>
             </a:fld>
             <a:endParaRPr lang="es-CO"/>
           </a:p>
@@ -8125,8 +8125,8 @@
           </a:p>
         </p:txBody>
       </p:sp>
-      <mc:AlternateContent xmlns:mc="http://schemas.openxmlformats.org/markup-compatibility/2006">
-        <mc:Choice xmlns:a14="http://schemas.microsoft.com/office/drawing/2010/main" Requires="a14">
+      <mc:AlternateContent xmlns:mc="http://schemas.openxmlformats.org/markup-compatibility/2006" xmlns:a14="http://schemas.microsoft.com/office/drawing/2010/main">
+        <mc:Choice Requires="a14">
           <p:sp>
             <p:nvSpPr>
               <p:cNvPr id="3" name="2 Marcador de contenido"/>
@@ -8346,7 +8346,7 @@
             </p:txBody>
           </p:sp>
         </mc:Choice>
-        <mc:Fallback>
+        <mc:Fallback xmlns="">
           <p:sp>
             <p:nvSpPr>
               <p:cNvPr id="3" name="2 Marcador de contenido"/>
@@ -8446,8 +8446,8 @@
           </a:p>
         </p:txBody>
       </p:sp>
-      <mc:AlternateContent xmlns:mc="http://schemas.openxmlformats.org/markup-compatibility/2006">
-        <mc:Choice xmlns:a14="http://schemas.microsoft.com/office/drawing/2010/main" Requires="a14">
+      <mc:AlternateContent xmlns:mc="http://schemas.openxmlformats.org/markup-compatibility/2006" xmlns:a14="http://schemas.microsoft.com/office/drawing/2010/main">
+        <mc:Choice Requires="a14">
           <p:sp>
             <p:nvSpPr>
               <p:cNvPr id="3" name="2 Marcador de contenido"/>
@@ -8872,7 +8872,7 @@
             </p:txBody>
           </p:sp>
         </mc:Choice>
-        <mc:Fallback>
+        <mc:Fallback xmlns="">
           <p:sp>
             <p:nvSpPr>
               <p:cNvPr id="3" name="2 Marcador de contenido"/>
@@ -10917,7 +10917,7 @@
             </p:spPr>
             <p:txBody>
               <a:bodyPr>
-                <a:normAutofit/>
+                <a:normAutofit lnSpcReduction="10000"/>
               </a:bodyPr>
               <a:lstStyle/>
               <a:p>
@@ -12194,7 +12194,7 @@
               <a:blipFill>
                 <a:blip r:embed="rId2"/>
                 <a:stretch>
-                  <a:fillRect l="-485" t="-1128"/>
+                  <a:fillRect l="-524" t="-1993"/>
                 </a:stretch>
               </a:blipFill>
             </p:spPr>
@@ -16248,8 +16248,8 @@
           <a:chExt cx="0" cy="0"/>
         </a:xfrm>
       </p:grpSpPr>
-      <mc:AlternateContent xmlns:mc="http://schemas.openxmlformats.org/markup-compatibility/2006" xmlns:a14="http://schemas.microsoft.com/office/drawing/2010/main">
-        <mc:Choice Requires="a14">
+      <mc:AlternateContent xmlns:mc="http://schemas.openxmlformats.org/markup-compatibility/2006">
+        <mc:Choice xmlns:a14="http://schemas.microsoft.com/office/drawing/2010/main" Requires="a14">
           <p:sp>
             <p:nvSpPr>
               <p:cNvPr id="2" name="Marcador de contenido 1">
@@ -17817,93 +17817,6 @@
                           </m:r>
                         </m:sub>
                       </m:sSub>
-                      <m:r>
-                        <a:rPr lang="en-GB" sz="1800" i="1">
-                          <a:solidFill>
-                            <a:srgbClr val="FF0000"/>
-                          </a:solidFill>
-                          <a:effectLst/>
-                          <a:latin typeface="Cambria Math" panose="02040503050406030204" pitchFamily="18" charset="0"/>
-                          <a:ea typeface="Times New Roman" panose="02020603050405020304" pitchFamily="18" charset="0"/>
-                          <a:cs typeface="Times New Roman" panose="02020603050405020304" pitchFamily="18" charset="0"/>
-                        </a:rPr>
-                        <m:t> + </m:t>
-                      </m:r>
-                      <m:sSubSup>
-                        <m:sSubSupPr>
-                          <m:ctrlPr>
-                            <a:rPr lang="es-CO" sz="1800" i="1">
-                              <a:solidFill>
-                                <a:srgbClr val="FF0000"/>
-                              </a:solidFill>
-                              <a:effectLst/>
-                              <a:latin typeface="Cambria Math" panose="02040503050406030204" pitchFamily="18" charset="0"/>
-                              <a:ea typeface="Times New Roman" panose="02020603050405020304" pitchFamily="18" charset="0"/>
-                              <a:cs typeface="Times New Roman" panose="02020603050405020304" pitchFamily="18" charset="0"/>
-                            </a:rPr>
-                          </m:ctrlPr>
-                        </m:sSubSupPr>
-                        <m:e>
-                          <m:acc>
-                            <m:accPr>
-                              <m:chr m:val="̇"/>
-                              <m:ctrlPr>
-                                <a:rPr lang="es-CO" sz="1800" i="1">
-                                  <a:solidFill>
-                                    <a:srgbClr val="FF0000"/>
-                                  </a:solidFill>
-                                  <a:effectLst/>
-                                  <a:latin typeface="Cambria Math" panose="02040503050406030204" pitchFamily="18" charset="0"/>
-                                  <a:ea typeface="Times New Roman" panose="02020603050405020304" pitchFamily="18" charset="0"/>
-                                  <a:cs typeface="Times New Roman" panose="02020603050405020304" pitchFamily="18" charset="0"/>
-                                </a:rPr>
-                              </m:ctrlPr>
-                            </m:accPr>
-                            <m:e>
-                              <m:r>
-                                <a:rPr lang="es-CO" sz="1800" i="1">
-                                  <a:solidFill>
-                                    <a:srgbClr val="FF0000"/>
-                                  </a:solidFill>
-                                  <a:effectLst/>
-                                  <a:latin typeface="Cambria Math" panose="02040503050406030204" pitchFamily="18" charset="0"/>
-                                  <a:ea typeface="Times New Roman" panose="02020603050405020304" pitchFamily="18" charset="0"/>
-                                  <a:cs typeface="Times New Roman" panose="02020603050405020304" pitchFamily="18" charset="0"/>
-                                </a:rPr>
-                                <m:t>𝐿</m:t>
-                              </m:r>
-                            </m:e>
-                          </m:acc>
-                        </m:e>
-                        <m:sub>
-                          <m:r>
-                            <a:rPr lang="es-CO" sz="1800" i="1">
-                              <a:solidFill>
-                                <a:srgbClr val="FF0000"/>
-                              </a:solidFill>
-                              <a:effectLst/>
-                              <a:latin typeface="Cambria Math" panose="02040503050406030204" pitchFamily="18" charset="0"/>
-                              <a:ea typeface="Times New Roman" panose="02020603050405020304" pitchFamily="18" charset="0"/>
-                              <a:cs typeface="Times New Roman" panose="02020603050405020304" pitchFamily="18" charset="0"/>
-                            </a:rPr>
-                            <m:t>𝐻</m:t>
-                          </m:r>
-                        </m:sub>
-                        <m:sup>
-                          <m:r>
-                            <a:rPr lang="es-CO" sz="1800" i="1">
-                              <a:solidFill>
-                                <a:srgbClr val="FF0000"/>
-                              </a:solidFill>
-                              <a:effectLst/>
-                              <a:latin typeface="Cambria Math" panose="02040503050406030204" pitchFamily="18" charset="0"/>
-                              <a:ea typeface="Times New Roman" panose="02020603050405020304" pitchFamily="18" charset="0"/>
-                              <a:cs typeface="Times New Roman" panose="02020603050405020304" pitchFamily="18" charset="0"/>
-                            </a:rPr>
-                            <m:t>𝐷</m:t>
-                          </m:r>
-                        </m:sup>
-                      </m:sSubSup>
                     </m:oMath>
                   </m:oMathPara>
                 </a14:m>
@@ -18465,7 +18378,7 @@
             </p:txBody>
           </p:sp>
         </mc:Choice>
-        <mc:Fallback xmlns="">
+        <mc:Fallback>
           <p:sp>
             <p:nvSpPr>
               <p:cNvPr id="2" name="Marcador de contenido 1">

--- a/Documentos/Presentación 3 de Noviembre de 2020.pptx
+++ b/Documentos/Presentación 3 de Noviembre de 2020.pptx
@@ -214,7 +214,7 @@
           <a:p>
             <a:fld id="{D42B63A8-CA22-F249-8B11-75777F973014}" type="datetimeFigureOut">
               <a:rPr lang="es-ES_tradnl" smtClean="0"/>
-              <a:t>06/11/2020</a:t>
+              <a:t>20/11/2020</a:t>
             </a:fld>
             <a:endParaRPr lang="es-ES_tradnl"/>
           </a:p>
@@ -1585,7 +1585,7 @@
           <a:p>
             <a:fld id="{6C5AE33D-32CE-4125-A2FD-63556E695E13}" type="datetimeFigureOut">
               <a:rPr lang="es-CO" smtClean="0"/>
-              <a:t>6/11/2020</a:t>
+              <a:t>20/11/2020</a:t>
             </a:fld>
             <a:endParaRPr lang="es-CO"/>
           </a:p>
@@ -5545,8 +5545,8 @@
           <a:chExt cx="0" cy="0"/>
         </a:xfrm>
       </p:grpSpPr>
-      <mc:AlternateContent xmlns:mc="http://schemas.openxmlformats.org/markup-compatibility/2006" xmlns:a14="http://schemas.microsoft.com/office/drawing/2010/main">
-        <mc:Choice Requires="a14">
+      <mc:AlternateContent xmlns:mc="http://schemas.openxmlformats.org/markup-compatibility/2006">
+        <mc:Choice xmlns:a14="http://schemas.microsoft.com/office/drawing/2010/main" Requires="a14">
           <p:sp>
             <p:nvSpPr>
               <p:cNvPr id="2" name="Marcador de contenido 1">
@@ -5571,7 +5571,7 @@
             </p:spPr>
             <p:txBody>
               <a:bodyPr>
-                <a:noAutofit/>
+                <a:normAutofit fontScale="70000" lnSpcReduction="20000"/>
               </a:bodyPr>
               <a:lstStyle/>
               <a:p>
@@ -6127,6 +6127,317 @@
                       </m:sSub>
                     </m:oMath>
                   </m:oMathPara>
+                </a14:m>
+                <a:endParaRPr lang="es-CO" sz="1800" dirty="0">
+                  <a:latin typeface="Century Gothic" panose="020B0502020202020204" pitchFamily="34" charset="0"/>
+                  <a:ea typeface="Times New Roman" panose="02020603050405020304" pitchFamily="18" charset="0"/>
+                  <a:cs typeface="Times New Roman" panose="02020603050405020304" pitchFamily="18" charset="0"/>
+                </a:endParaRPr>
+              </a:p>
+              <a:p>
+                <a:pPr marL="0" indent="0">
+                  <a:lnSpc>
+                    <a:spcPct val="200000"/>
+                  </a:lnSpc>
+                  <a:spcAft>
+                    <a:spcPts val="800"/>
+                  </a:spcAft>
+                  <a:buNone/>
+                </a:pPr>
+                <a14:m>
+                  <m:oMathPara xmlns:m="http://schemas.openxmlformats.org/officeDocument/2006/math">
+                    <m:oMathParaPr>
+                      <m:jc m:val="centerGroup"/>
+                    </m:oMathParaPr>
+                    <m:oMath xmlns:m="http://schemas.openxmlformats.org/officeDocument/2006/math">
+                      <m:r>
+                        <a:rPr lang="en-US" sz="1800" i="1">
+                          <a:latin typeface="Cambria Math" panose="02040503050406030204" pitchFamily="18" charset="0"/>
+                          <a:ea typeface="Times New Roman" panose="02020603050405020304" pitchFamily="18" charset="0"/>
+                          <a:cs typeface="Times New Roman" panose="02020603050405020304" pitchFamily="18" charset="0"/>
+                        </a:rPr>
+                        <m:t>𝑇𝐹</m:t>
+                      </m:r>
+                      <m:sSub>
+                        <m:sSubPr>
+                          <m:ctrlPr>
+                            <a:rPr lang="es-CO" sz="1800" i="1">
+                              <a:latin typeface="Cambria Math" panose="02040503050406030204" pitchFamily="18" charset="0"/>
+                              <a:ea typeface="Times New Roman" panose="02020603050405020304" pitchFamily="18" charset="0"/>
+                              <a:cs typeface="Times New Roman" panose="02020603050405020304" pitchFamily="18" charset="0"/>
+                            </a:rPr>
+                          </m:ctrlPr>
+                        </m:sSubPr>
+                        <m:e>
+                          <m:r>
+                            <a:rPr lang="en-US" sz="1800" i="1">
+                              <a:latin typeface="Cambria Math" panose="02040503050406030204" pitchFamily="18" charset="0"/>
+                              <a:ea typeface="Times New Roman" panose="02020603050405020304" pitchFamily="18" charset="0"/>
+                              <a:cs typeface="Times New Roman" panose="02020603050405020304" pitchFamily="18" charset="0"/>
+                            </a:rPr>
+                            <m:t>𝑁</m:t>
+                          </m:r>
+                        </m:e>
+                        <m:sub>
+                          <m:r>
+                            <a:rPr lang="en-US" sz="1800" i="1">
+                              <a:latin typeface="Cambria Math" panose="02040503050406030204" pitchFamily="18" charset="0"/>
+                              <a:ea typeface="Times New Roman" panose="02020603050405020304" pitchFamily="18" charset="0"/>
+                              <a:cs typeface="Times New Roman" panose="02020603050405020304" pitchFamily="18" charset="0"/>
+                            </a:rPr>
+                            <m:t>𝐹</m:t>
+                          </m:r>
+                        </m:sub>
+                      </m:sSub>
+                      <m:r>
+                        <a:rPr lang="es-CO" sz="1800" b="0" i="1" smtClean="0">
+                          <a:latin typeface="Cambria Math" panose="02040503050406030204" pitchFamily="18" charset="0"/>
+                          <a:ea typeface="Times New Roman" panose="02020603050405020304" pitchFamily="18" charset="0"/>
+                          <a:cs typeface="Times New Roman" panose="02020603050405020304" pitchFamily="18" charset="0"/>
+                        </a:rPr>
+                        <m:t>=</m:t>
+                      </m:r>
+                      <m:r>
+                        <a:rPr lang="es-CO" sz="1800" b="0" i="1" smtClean="0">
+                          <a:latin typeface="Cambria Math" panose="02040503050406030204" pitchFamily="18" charset="0"/>
+                          <a:ea typeface="Times New Roman" panose="02020603050405020304" pitchFamily="18" charset="0"/>
+                          <a:cs typeface="Times New Roman" panose="02020603050405020304" pitchFamily="18" charset="0"/>
+                        </a:rPr>
+                        <m:t>𝐸</m:t>
+                      </m:r>
+                      <m:sSub>
+                        <m:sSubPr>
+                          <m:ctrlPr>
+                            <a:rPr lang="es-CO" sz="1800" b="0" i="1" smtClean="0">
+                              <a:latin typeface="Cambria Math" panose="02040503050406030204" pitchFamily="18" charset="0"/>
+                              <a:ea typeface="Times New Roman" panose="02020603050405020304" pitchFamily="18" charset="0"/>
+                              <a:cs typeface="Times New Roman" panose="02020603050405020304" pitchFamily="18" charset="0"/>
+                            </a:rPr>
+                          </m:ctrlPr>
+                        </m:sSubPr>
+                        <m:e>
+                          <m:r>
+                            <a:rPr lang="es-CO" sz="1800" b="0" i="1" smtClean="0">
+                              <a:latin typeface="Cambria Math" panose="02040503050406030204" pitchFamily="18" charset="0"/>
+                              <a:ea typeface="Times New Roman" panose="02020603050405020304" pitchFamily="18" charset="0"/>
+                              <a:cs typeface="Times New Roman" panose="02020603050405020304" pitchFamily="18" charset="0"/>
+                            </a:rPr>
+                            <m:t>𝑄</m:t>
+                          </m:r>
+                        </m:e>
+                        <m:sub>
+                          <m:r>
+                            <a:rPr lang="es-CO" sz="1800" b="0" i="1" smtClean="0">
+                              <a:latin typeface="Cambria Math" panose="02040503050406030204" pitchFamily="18" charset="0"/>
+                              <a:ea typeface="Times New Roman" panose="02020603050405020304" pitchFamily="18" charset="0"/>
+                              <a:cs typeface="Times New Roman" panose="02020603050405020304" pitchFamily="18" charset="0"/>
+                            </a:rPr>
+                            <m:t>𝐹</m:t>
+                          </m:r>
+                        </m:sub>
+                      </m:sSub>
+                    </m:oMath>
+                  </m:oMathPara>
+                </a14:m>
+                <a:endParaRPr lang="es-CO" sz="1800" dirty="0">
+                  <a:latin typeface="Century Gothic" panose="020B0502020202020204" pitchFamily="34" charset="0"/>
+                  <a:ea typeface="Times New Roman" panose="02020603050405020304" pitchFamily="18" charset="0"/>
+                  <a:cs typeface="Times New Roman" panose="02020603050405020304" pitchFamily="18" charset="0"/>
+                </a:endParaRPr>
+              </a:p>
+              <a:p>
+                <a:pPr marL="0" indent="0" algn="ctr">
+                  <a:lnSpc>
+                    <a:spcPct val="200000"/>
+                  </a:lnSpc>
+                  <a:spcAft>
+                    <a:spcPts val="800"/>
+                  </a:spcAft>
+                  <a:buNone/>
+                </a:pPr>
+                <a14:m>
+                  <m:oMath xmlns:m="http://schemas.openxmlformats.org/officeDocument/2006/math">
+                    <m:r>
+                      <a:rPr lang="es-CO" sz="1800" b="0" i="1" smtClean="0">
+                        <a:latin typeface="Cambria Math" panose="02040503050406030204" pitchFamily="18" charset="0"/>
+                        <a:ea typeface="Times New Roman" panose="02020603050405020304" pitchFamily="18" charset="0"/>
+                        <a:cs typeface="Times New Roman" panose="02020603050405020304" pitchFamily="18" charset="0"/>
+                      </a:rPr>
+                      <m:t>𝐸</m:t>
+                    </m:r>
+                    <m:sSub>
+                      <m:sSubPr>
+                        <m:ctrlPr>
+                          <a:rPr lang="es-CO" sz="1800" b="0" i="1" smtClean="0">
+                            <a:latin typeface="Cambria Math" panose="02040503050406030204" pitchFamily="18" charset="0"/>
+                            <a:ea typeface="Times New Roman" panose="02020603050405020304" pitchFamily="18" charset="0"/>
+                            <a:cs typeface="Times New Roman" panose="02020603050405020304" pitchFamily="18" charset="0"/>
+                          </a:rPr>
+                        </m:ctrlPr>
+                      </m:sSubPr>
+                      <m:e>
+                        <m:r>
+                          <a:rPr lang="es-CO" sz="1800" b="0" i="1" smtClean="0">
+                            <a:latin typeface="Cambria Math" panose="02040503050406030204" pitchFamily="18" charset="0"/>
+                            <a:ea typeface="Times New Roman" panose="02020603050405020304" pitchFamily="18" charset="0"/>
+                            <a:cs typeface="Times New Roman" panose="02020603050405020304" pitchFamily="18" charset="0"/>
+                          </a:rPr>
+                          <m:t>𝑄</m:t>
+                        </m:r>
+                      </m:e>
+                      <m:sub>
+                        <m:r>
+                          <a:rPr lang="es-CO" sz="1800" b="0" i="1" smtClean="0">
+                            <a:latin typeface="Cambria Math" panose="02040503050406030204" pitchFamily="18" charset="0"/>
+                            <a:ea typeface="Times New Roman" panose="02020603050405020304" pitchFamily="18" charset="0"/>
+                            <a:cs typeface="Times New Roman" panose="02020603050405020304" pitchFamily="18" charset="0"/>
+                          </a:rPr>
+                          <m:t>𝐹</m:t>
+                        </m:r>
+                      </m:sub>
+                    </m:sSub>
+                  </m:oMath>
+                </a14:m>
+                <a:r>
+                  <a:rPr lang="es-CO" sz="1800" dirty="0">
+                    <a:latin typeface="Century Gothic" panose="020B0502020202020204" pitchFamily="34" charset="0"/>
+                    <a:ea typeface="Times New Roman" panose="02020603050405020304" pitchFamily="18" charset="0"/>
+                    <a:cs typeface="Times New Roman" panose="02020603050405020304" pitchFamily="18" charset="0"/>
+                  </a:rPr>
+                  <a:t>=</a:t>
+                </a:r>
+                <a:r>
+                  <a:rPr lang="es-CO" sz="1800" dirty="0">
+                    <a:ea typeface="Times New Roman" panose="02020603050405020304" pitchFamily="18" charset="0"/>
+                    <a:cs typeface="Times New Roman" panose="02020603050405020304" pitchFamily="18" charset="0"/>
+                  </a:rPr>
+                  <a:t> </a:t>
+                </a:r>
+                <a14:m>
+                  <m:oMath xmlns:m="http://schemas.openxmlformats.org/officeDocument/2006/math">
+                    <m:sSubSup>
+                      <m:sSubSupPr>
+                        <m:ctrlPr>
+                          <a:rPr lang="es-CO" sz="1800" i="1">
+                            <a:latin typeface="Cambria Math" panose="02040503050406030204" pitchFamily="18" charset="0"/>
+                            <a:ea typeface="Times New Roman" panose="02020603050405020304" pitchFamily="18" charset="0"/>
+                            <a:cs typeface="Times New Roman" panose="02020603050405020304" pitchFamily="18" charset="0"/>
+                          </a:rPr>
+                        </m:ctrlPr>
+                      </m:sSubSupPr>
+                      <m:e>
+                        <m:acc>
+                          <m:accPr>
+                            <m:chr m:val="̇"/>
+                            <m:ctrlPr>
+                              <a:rPr lang="es-CO" sz="1800" i="1">
+                                <a:latin typeface="Cambria Math" panose="02040503050406030204" pitchFamily="18" charset="0"/>
+                                <a:ea typeface="Times New Roman" panose="02020603050405020304" pitchFamily="18" charset="0"/>
+                                <a:cs typeface="Times New Roman" panose="02020603050405020304" pitchFamily="18" charset="0"/>
+                              </a:rPr>
+                            </m:ctrlPr>
+                          </m:accPr>
+                          <m:e>
+                            <m:r>
+                              <a:rPr lang="en-US" sz="1800" i="1">
+                                <a:latin typeface="Cambria Math" panose="02040503050406030204" pitchFamily="18" charset="0"/>
+                                <a:ea typeface="Times New Roman" panose="02020603050405020304" pitchFamily="18" charset="0"/>
+                                <a:cs typeface="Times New Roman" panose="02020603050405020304" pitchFamily="18" charset="0"/>
+                              </a:rPr>
+                              <m:t>𝐸𝑄</m:t>
+                            </m:r>
+                          </m:e>
+                        </m:acc>
+                      </m:e>
+                      <m:sub>
+                        <m:r>
+                          <a:rPr lang="en-US" sz="1800" i="1">
+                            <a:latin typeface="Cambria Math" panose="02040503050406030204" pitchFamily="18" charset="0"/>
+                            <a:ea typeface="Times New Roman" panose="02020603050405020304" pitchFamily="18" charset="0"/>
+                            <a:cs typeface="Times New Roman" panose="02020603050405020304" pitchFamily="18" charset="0"/>
+                          </a:rPr>
+                          <m:t>𝐹</m:t>
+                        </m:r>
+                      </m:sub>
+                      <m:sup>
+                        <m:r>
+                          <a:rPr lang="en-US" sz="1800" i="1">
+                            <a:latin typeface="Cambria Math" panose="02040503050406030204" pitchFamily="18" charset="0"/>
+                            <a:ea typeface="Times New Roman" panose="02020603050405020304" pitchFamily="18" charset="0"/>
+                            <a:cs typeface="Times New Roman" panose="02020603050405020304" pitchFamily="18" charset="0"/>
+                          </a:rPr>
+                          <m:t>𝐻</m:t>
+                        </m:r>
+                      </m:sup>
+                    </m:sSubSup>
+                  </m:oMath>
+                </a14:m>
+                <a:r>
+                  <a:rPr lang="es-CO" sz="1800" dirty="0">
+                    <a:latin typeface="Century Gothic" panose="020B0502020202020204" pitchFamily="34" charset="0"/>
+                    <a:ea typeface="Times New Roman" panose="02020603050405020304" pitchFamily="18" charset="0"/>
+                    <a:cs typeface="Times New Roman" panose="02020603050405020304" pitchFamily="18" charset="0"/>
+                  </a:rPr>
+                  <a:t> + </a:t>
+                </a:r>
+                <a14:m>
+                  <m:oMath xmlns:m="http://schemas.openxmlformats.org/officeDocument/2006/math">
+                    <m:sSubSup>
+                      <m:sSubSupPr>
+                        <m:ctrlPr>
+                          <a:rPr lang="es-CO" sz="1800" i="1">
+                            <a:latin typeface="Cambria Math" panose="02040503050406030204" pitchFamily="18" charset="0"/>
+                            <a:ea typeface="Times New Roman" panose="02020603050405020304" pitchFamily="18" charset="0"/>
+                            <a:cs typeface="Times New Roman" panose="02020603050405020304" pitchFamily="18" charset="0"/>
+                          </a:rPr>
+                        </m:ctrlPr>
+                      </m:sSubSupPr>
+                      <m:e>
+                        <m:acc>
+                          <m:accPr>
+                            <m:chr m:val="̇"/>
+                            <m:ctrlPr>
+                              <a:rPr lang="es-CO" sz="1800" i="1">
+                                <a:latin typeface="Cambria Math" panose="02040503050406030204" pitchFamily="18" charset="0"/>
+                                <a:ea typeface="Times New Roman" panose="02020603050405020304" pitchFamily="18" charset="0"/>
+                                <a:cs typeface="Times New Roman" panose="02020603050405020304" pitchFamily="18" charset="0"/>
+                              </a:rPr>
+                            </m:ctrlPr>
+                          </m:accPr>
+                          <m:e>
+                            <m:r>
+                              <a:rPr lang="es-CO" sz="1800" i="1">
+                                <a:latin typeface="Cambria Math" panose="02040503050406030204" pitchFamily="18" charset="0"/>
+                                <a:ea typeface="Times New Roman" panose="02020603050405020304" pitchFamily="18" charset="0"/>
+                                <a:cs typeface="Times New Roman" panose="02020603050405020304" pitchFamily="18" charset="0"/>
+                              </a:rPr>
+                              <m:t>𝐸𝑄</m:t>
+                            </m:r>
+                          </m:e>
+                        </m:acc>
+                      </m:e>
+                      <m:sub>
+                        <m:r>
+                          <a:rPr lang="es-CO" sz="1800" i="1">
+                            <a:latin typeface="Cambria Math" panose="02040503050406030204" pitchFamily="18" charset="0"/>
+                            <a:ea typeface="Times New Roman" panose="02020603050405020304" pitchFamily="18" charset="0"/>
+                            <a:cs typeface="Times New Roman" panose="02020603050405020304" pitchFamily="18" charset="0"/>
+                          </a:rPr>
+                          <m:t>𝐹</m:t>
+                        </m:r>
+                      </m:sub>
+                      <m:sup>
+                        <m:r>
+                          <a:rPr lang="es-CO" sz="1800" i="1">
+                            <a:latin typeface="Cambria Math" panose="02040503050406030204" pitchFamily="18" charset="0"/>
+                            <a:ea typeface="Times New Roman" panose="02020603050405020304" pitchFamily="18" charset="0"/>
+                            <a:cs typeface="Times New Roman" panose="02020603050405020304" pitchFamily="18" charset="0"/>
+                          </a:rPr>
+                          <m:t>𝑅𝑜𝑊</m:t>
+                        </m:r>
+                      </m:sup>
+                    </m:sSubSup>
+                  </m:oMath>
                 </a14:m>
                 <a:endParaRPr lang="es-CO" sz="1800" dirty="0">
                   <a:latin typeface="Century Gothic" panose="020B0502020202020204" pitchFamily="34" charset="0"/>
@@ -6341,7 +6652,7 @@
             </p:txBody>
           </p:sp>
         </mc:Choice>
-        <mc:Fallback xmlns="">
+        <mc:Fallback>
           <p:sp>
             <p:nvSpPr>
               <p:cNvPr id="2" name="Marcador de contenido 1">
@@ -6366,7 +6677,7 @@
               <a:blipFill>
                 <a:blip r:embed="rId2"/>
                 <a:stretch>
-                  <a:fillRect l="-497"/>
+                  <a:fillRect l="-110"/>
                 </a:stretch>
               </a:blipFill>
             </p:spPr>
@@ -10891,8 +11202,8 @@
           <a:chExt cx="0" cy="0"/>
         </a:xfrm>
       </p:grpSpPr>
-      <mc:AlternateContent xmlns:mc="http://schemas.openxmlformats.org/markup-compatibility/2006">
-        <mc:Choice xmlns:a14="http://schemas.microsoft.com/office/drawing/2010/main" Requires="a14">
+      <mc:AlternateContent xmlns:mc="http://schemas.openxmlformats.org/markup-compatibility/2006" xmlns:a14="http://schemas.microsoft.com/office/drawing/2010/main">
+        <mc:Choice Requires="a14">
           <p:sp>
             <p:nvSpPr>
               <p:cNvPr id="2" name="Marcador de contenido 1">
@@ -12169,7 +12480,7 @@
             </p:txBody>
           </p:sp>
         </mc:Choice>
-        <mc:Fallback>
+        <mc:Fallback xmlns="">
           <p:sp>
             <p:nvSpPr>
               <p:cNvPr id="2" name="Marcador de contenido 1">
@@ -16248,8 +16559,8 @@
           <a:chExt cx="0" cy="0"/>
         </a:xfrm>
       </p:grpSpPr>
-      <mc:AlternateContent xmlns:mc="http://schemas.openxmlformats.org/markup-compatibility/2006">
-        <mc:Choice xmlns:a14="http://schemas.microsoft.com/office/drawing/2010/main" Requires="a14">
+      <mc:AlternateContent xmlns:mc="http://schemas.openxmlformats.org/markup-compatibility/2006" xmlns:a14="http://schemas.microsoft.com/office/drawing/2010/main">
+        <mc:Choice Requires="a14">
           <p:sp>
             <p:nvSpPr>
               <p:cNvPr id="2" name="Marcador de contenido 1">
@@ -18378,7 +18689,7 @@
             </p:txBody>
           </p:sp>
         </mc:Choice>
-        <mc:Fallback>
+        <mc:Fallback xmlns="">
           <p:sp>
             <p:nvSpPr>
               <p:cNvPr id="2" name="Marcador de contenido 1">
